--- a/KodierungUndRepräsentation/KodierungUndRepräsentation.pptx
+++ b/KodierungUndRepräsentation/KodierungUndRepräsentation.pptx
@@ -5,12 +5,13 @@
     <p:sldMasterId id="2147483668" r:id="rId1"/>
   </p:sldMasterIdLst>
   <p:notesMasterIdLst>
-    <p:notesMasterId r:id="rId5"/>
+    <p:notesMasterId r:id="rId6"/>
   </p:notesMasterIdLst>
   <p:sldIdLst>
     <p:sldId id="425" r:id="rId2"/>
     <p:sldId id="429" r:id="rId3"/>
     <p:sldId id="426" r:id="rId4"/>
+    <p:sldId id="430" r:id="rId5"/>
   </p:sldIdLst>
   <p:sldSz cx="12192000" cy="6858000"/>
   <p:notesSz cx="6858000" cy="9144000"/>
@@ -199,7 +200,7 @@
           <a:p>
             <a:fld id="{8DD0416D-017C-4586-925E-348717DD9C44}" type="datetimeFigureOut">
               <a:rPr lang="de-DE" smtClean="0"/>
-              <a:t>29.12.24</a:t>
+              <a:t>30.12.24</a:t>
             </a:fld>
             <a:endParaRPr lang="de-DE"/>
           </a:p>
@@ -608,7 +609,7 @@
             <a:fld id="{B61BEF0D-F0BB-DE4B-95CE-6DB70DBA9567}" type="datetimeFigureOut">
               <a:rPr lang="en-US" smtClean="0"/>
               <a:pPr/>
-              <a:t>12/29/24</a:t>
+              <a:t>12/30/24</a:t>
             </a:fld>
             <a:endParaRPr lang="en-US" dirty="0"/>
           </a:p>
@@ -892,7 +893,7 @@
             <a:fld id="{B61BEF0D-F0BB-DE4B-95CE-6DB70DBA9567}" type="datetimeFigureOut">
               <a:rPr lang="en-US" smtClean="0"/>
               <a:pPr/>
-              <a:t>12/29/24</a:t>
+              <a:t>12/30/24</a:t>
             </a:fld>
             <a:endParaRPr lang="en-US" dirty="0"/>
           </a:p>
@@ -1086,7 +1087,7 @@
             <a:fld id="{B61BEF0D-F0BB-DE4B-95CE-6DB70DBA9567}" type="datetimeFigureOut">
               <a:rPr lang="en-US" smtClean="0"/>
               <a:pPr/>
-              <a:t>12/29/24</a:t>
+              <a:t>12/30/24</a:t>
             </a:fld>
             <a:endParaRPr lang="en-US" dirty="0"/>
           </a:p>
@@ -1349,7 +1350,7 @@
             <a:fld id="{B61BEF0D-F0BB-DE4B-95CE-6DB70DBA9567}" type="datetimeFigureOut">
               <a:rPr lang="en-US" smtClean="0"/>
               <a:pPr/>
-              <a:t>12/29/24</a:t>
+              <a:t>12/30/24</a:t>
             </a:fld>
             <a:endParaRPr lang="en-US" dirty="0"/>
           </a:p>
@@ -1775,7 +1776,7 @@
             <a:fld id="{B61BEF0D-F0BB-DE4B-95CE-6DB70DBA9567}" type="datetimeFigureOut">
               <a:rPr lang="en-US" smtClean="0"/>
               <a:pPr/>
-              <a:t>12/29/24</a:t>
+              <a:t>12/30/24</a:t>
             </a:fld>
             <a:endParaRPr lang="en-US" dirty="0"/>
           </a:p>
@@ -2323,7 +2324,7 @@
             <a:fld id="{B61BEF0D-F0BB-DE4B-95CE-6DB70DBA9567}" type="datetimeFigureOut">
               <a:rPr lang="en-US" smtClean="0"/>
               <a:pPr/>
-              <a:t>12/29/24</a:t>
+              <a:t>12/30/24</a:t>
             </a:fld>
             <a:endParaRPr lang="en-US" dirty="0"/>
           </a:p>
@@ -3147,7 +3148,7 @@
             <a:fld id="{B61BEF0D-F0BB-DE4B-95CE-6DB70DBA9567}" type="datetimeFigureOut">
               <a:rPr lang="en-US" smtClean="0"/>
               <a:pPr/>
-              <a:t>12/29/24</a:t>
+              <a:t>12/30/24</a:t>
             </a:fld>
             <a:endParaRPr lang="en-US" dirty="0"/>
           </a:p>
@@ -3323,7 +3324,7 @@
           <a:p>
             <a:fld id="{55C6B4A9-1611-4792-9094-5F34BCA07E0B}" type="datetimeFigureOut">
               <a:rPr lang="en-US" smtClean="0"/>
-              <a:t>12/29/24</a:t>
+              <a:t>12/30/24</a:t>
             </a:fld>
             <a:endParaRPr lang="en-US" dirty="0"/>
           </a:p>
@@ -3538,7 +3539,7 @@
             <a:fld id="{B61BEF0D-F0BB-DE4B-95CE-6DB70DBA9567}" type="datetimeFigureOut">
               <a:rPr lang="en-US" smtClean="0"/>
               <a:pPr/>
-              <a:t>12/29/24</a:t>
+              <a:t>12/30/24</a:t>
             </a:fld>
             <a:endParaRPr lang="en-US" dirty="0"/>
           </a:p>
@@ -3728,7 +3729,7 @@
             <a:fld id="{B61BEF0D-F0BB-DE4B-95CE-6DB70DBA9567}" type="datetimeFigureOut">
               <a:rPr lang="en-US" smtClean="0"/>
               <a:pPr/>
-              <a:t>12/29/24</a:t>
+              <a:t>12/30/24</a:t>
             </a:fld>
             <a:endParaRPr lang="en-US" dirty="0"/>
           </a:p>
@@ -3980,7 +3981,7 @@
             <a:fld id="{B61BEF0D-F0BB-DE4B-95CE-6DB70DBA9567}" type="datetimeFigureOut">
               <a:rPr lang="en-US" smtClean="0"/>
               <a:pPr/>
-              <a:t>12/29/24</a:t>
+              <a:t>12/30/24</a:t>
             </a:fld>
             <a:endParaRPr lang="en-US" dirty="0"/>
           </a:p>
@@ -4218,7 +4219,7 @@
           <a:p>
             <a:fld id="{EB712588-04B1-427B-82EE-E8DB90309F08}" type="datetimeFigureOut">
               <a:rPr lang="en-US" smtClean="0"/>
-              <a:t>12/29/24</a:t>
+              <a:t>12/30/24</a:t>
             </a:fld>
             <a:endParaRPr lang="en-US" dirty="0"/>
           </a:p>
@@ -4604,7 +4605,7 @@
             <a:fld id="{B61BEF0D-F0BB-DE4B-95CE-6DB70DBA9567}" type="datetimeFigureOut">
               <a:rPr lang="en-US" smtClean="0"/>
               <a:pPr/>
-              <a:t>12/29/24</a:t>
+              <a:t>12/30/24</a:t>
             </a:fld>
             <a:endParaRPr lang="en-US" dirty="0"/>
           </a:p>
@@ -4775,7 +4776,7 @@
             <a:fld id="{B61BEF0D-F0BB-DE4B-95CE-6DB70DBA9567}" type="datetimeFigureOut">
               <a:rPr lang="en-US" smtClean="0"/>
               <a:pPr/>
-              <a:t>12/29/24</a:t>
+              <a:t>12/30/24</a:t>
             </a:fld>
             <a:endParaRPr lang="en-US" dirty="0"/>
           </a:p>
@@ -5025,7 +5026,7 @@
           <a:p>
             <a:fld id="{42A54C80-263E-416B-A8E0-580EDEADCBDC}" type="datetimeFigureOut">
               <a:rPr lang="en-US" smtClean="0"/>
-              <a:t>12/29/24</a:t>
+              <a:t>12/30/24</a:t>
             </a:fld>
             <a:endParaRPr lang="en-US" dirty="0"/>
           </a:p>
@@ -5308,7 +5309,7 @@
             <a:fld id="{B61BEF0D-F0BB-DE4B-95CE-6DB70DBA9567}" type="datetimeFigureOut">
               <a:rPr lang="en-US" smtClean="0"/>
               <a:pPr/>
-              <a:t>12/29/24</a:t>
+              <a:t>12/30/24</a:t>
             </a:fld>
             <a:endParaRPr lang="en-US" dirty="0"/>
           </a:p>
@@ -5524,7 +5525,7 @@
             <a:fld id="{B61BEF0D-F0BB-DE4B-95CE-6DB70DBA9567}" type="datetimeFigureOut">
               <a:rPr lang="en-US" smtClean="0"/>
               <a:pPr/>
-              <a:t>12/29/24</a:t>
+              <a:t>12/30/24</a:t>
             </a:fld>
             <a:endParaRPr lang="en-US" dirty="0"/>
           </a:p>
@@ -39254,6 +39255,1263 @@
     <p:extLst>
       <p:ext uri="{BB962C8B-B14F-4D97-AF65-F5344CB8AC3E}">
         <p14:creationId xmlns:p14="http://schemas.microsoft.com/office/powerpoint/2010/main" val="443693863"/>
+      </p:ext>
+    </p:extLst>
+  </p:cSld>
+  <p:clrMapOvr>
+    <a:masterClrMapping/>
+  </p:clrMapOvr>
+</p:sld>
+</file>
+
+<file path=ppt/slides/slide4.xml><?xml version="1.0" encoding="utf-8"?>
+<p:sld xmlns:a="http://schemas.openxmlformats.org/drawingml/2006/main" xmlns:r="http://schemas.openxmlformats.org/officeDocument/2006/relationships" xmlns:p="http://schemas.openxmlformats.org/presentationml/2006/main">
+  <p:cSld>
+    <p:spTree>
+      <p:nvGrpSpPr>
+        <p:cNvPr id="1" name=""/>
+        <p:cNvGrpSpPr/>
+        <p:nvPr/>
+      </p:nvGrpSpPr>
+      <p:grpSpPr>
+        <a:xfrm>
+          <a:off x="0" y="0"/>
+          <a:ext cx="0" cy="0"/>
+          <a:chOff x="0" y="0"/>
+          <a:chExt cx="0" cy="0"/>
+        </a:xfrm>
+      </p:grpSpPr>
+      <p:grpSp>
+        <p:nvGrpSpPr>
+          <p:cNvPr id="13" name="Gruppieren 12">
+            <a:extLst>
+              <a:ext uri="{FF2B5EF4-FFF2-40B4-BE49-F238E27FC236}">
+                <a16:creationId xmlns:a16="http://schemas.microsoft.com/office/drawing/2014/main" id="{5CEE73C4-553B-E2D7-1483-B8D9546C2F5F}"/>
+              </a:ext>
+            </a:extLst>
+          </p:cNvPr>
+          <p:cNvGrpSpPr/>
+          <p:nvPr/>
+        </p:nvGrpSpPr>
+        <p:grpSpPr>
+          <a:xfrm>
+            <a:off x="3024554" y="1992923"/>
+            <a:ext cx="2157046" cy="2139462"/>
+            <a:chOff x="3938954" y="1289538"/>
+            <a:chExt cx="2157046" cy="2139462"/>
+          </a:xfrm>
+        </p:grpSpPr>
+        <p:cxnSp>
+          <p:nvCxnSpPr>
+            <p:cNvPr id="3" name="Gerade Verbindung 2">
+              <a:extLst>
+                <a:ext uri="{FF2B5EF4-FFF2-40B4-BE49-F238E27FC236}">
+                  <a16:creationId xmlns:a16="http://schemas.microsoft.com/office/drawing/2014/main" id="{64A60691-30C6-2678-BAC2-1F57BD9EDBBD}"/>
+                </a:ext>
+              </a:extLst>
+            </p:cNvPr>
+            <p:cNvCxnSpPr/>
+            <p:nvPr/>
+          </p:nvCxnSpPr>
+          <p:spPr>
+            <a:xfrm>
+              <a:off x="4665785" y="1289538"/>
+              <a:ext cx="0" cy="2139462"/>
+            </a:xfrm>
+            <a:prstGeom prst="line">
+              <a:avLst/>
+            </a:prstGeom>
+          </p:spPr>
+          <p:style>
+            <a:lnRef idx="2">
+              <a:schemeClr val="dk1"/>
+            </a:lnRef>
+            <a:fillRef idx="0">
+              <a:schemeClr val="dk1"/>
+            </a:fillRef>
+            <a:effectRef idx="1">
+              <a:schemeClr val="dk1"/>
+            </a:effectRef>
+            <a:fontRef idx="minor">
+              <a:schemeClr val="tx1"/>
+            </a:fontRef>
+          </p:style>
+        </p:cxnSp>
+        <p:cxnSp>
+          <p:nvCxnSpPr>
+            <p:cNvPr id="4" name="Gerade Verbindung 3">
+              <a:extLst>
+                <a:ext uri="{FF2B5EF4-FFF2-40B4-BE49-F238E27FC236}">
+                  <a16:creationId xmlns:a16="http://schemas.microsoft.com/office/drawing/2014/main" id="{B6CB2A9B-E4C7-7FD2-7033-27FFC2D5CB07}"/>
+                </a:ext>
+              </a:extLst>
+            </p:cNvPr>
+            <p:cNvCxnSpPr/>
+            <p:nvPr/>
+          </p:nvCxnSpPr>
+          <p:spPr>
+            <a:xfrm>
+              <a:off x="5380892" y="1289538"/>
+              <a:ext cx="0" cy="2139462"/>
+            </a:xfrm>
+            <a:prstGeom prst="line">
+              <a:avLst/>
+            </a:prstGeom>
+          </p:spPr>
+          <p:style>
+            <a:lnRef idx="2">
+              <a:schemeClr val="dk1"/>
+            </a:lnRef>
+            <a:fillRef idx="0">
+              <a:schemeClr val="dk1"/>
+            </a:fillRef>
+            <a:effectRef idx="1">
+              <a:schemeClr val="dk1"/>
+            </a:effectRef>
+            <a:fontRef idx="minor">
+              <a:schemeClr val="tx1"/>
+            </a:fontRef>
+          </p:style>
+        </p:cxnSp>
+        <p:cxnSp>
+          <p:nvCxnSpPr>
+            <p:cNvPr id="6" name="Gerade Verbindung 5">
+              <a:extLst>
+                <a:ext uri="{FF2B5EF4-FFF2-40B4-BE49-F238E27FC236}">
+                  <a16:creationId xmlns:a16="http://schemas.microsoft.com/office/drawing/2014/main" id="{47F2E4FF-31B6-2A75-D060-85976ACE30AB}"/>
+                </a:ext>
+              </a:extLst>
+            </p:cNvPr>
+            <p:cNvCxnSpPr/>
+            <p:nvPr/>
+          </p:nvCxnSpPr>
+          <p:spPr>
+            <a:xfrm>
+              <a:off x="3938954" y="1992923"/>
+              <a:ext cx="2157046" cy="0"/>
+            </a:xfrm>
+            <a:prstGeom prst="line">
+              <a:avLst/>
+            </a:prstGeom>
+          </p:spPr>
+          <p:style>
+            <a:lnRef idx="2">
+              <a:schemeClr val="dk1"/>
+            </a:lnRef>
+            <a:fillRef idx="0">
+              <a:schemeClr val="dk1"/>
+            </a:fillRef>
+            <a:effectRef idx="1">
+              <a:schemeClr val="dk1"/>
+            </a:effectRef>
+            <a:fontRef idx="minor">
+              <a:schemeClr val="tx1"/>
+            </a:fontRef>
+          </p:style>
+        </p:cxnSp>
+        <p:cxnSp>
+          <p:nvCxnSpPr>
+            <p:cNvPr id="7" name="Gerade Verbindung 6">
+              <a:extLst>
+                <a:ext uri="{FF2B5EF4-FFF2-40B4-BE49-F238E27FC236}">
+                  <a16:creationId xmlns:a16="http://schemas.microsoft.com/office/drawing/2014/main" id="{39CC274A-9B43-6903-A4B4-449E1F53E90A}"/>
+                </a:ext>
+              </a:extLst>
+            </p:cNvPr>
+            <p:cNvCxnSpPr/>
+            <p:nvPr/>
+          </p:nvCxnSpPr>
+          <p:spPr>
+            <a:xfrm>
+              <a:off x="3938954" y="2708031"/>
+              <a:ext cx="2157046" cy="0"/>
+            </a:xfrm>
+            <a:prstGeom prst="line">
+              <a:avLst/>
+            </a:prstGeom>
+          </p:spPr>
+          <p:style>
+            <a:lnRef idx="2">
+              <a:schemeClr val="dk1"/>
+            </a:lnRef>
+            <a:fillRef idx="0">
+              <a:schemeClr val="dk1"/>
+            </a:fillRef>
+            <a:effectRef idx="1">
+              <a:schemeClr val="dk1"/>
+            </a:effectRef>
+            <a:fontRef idx="minor">
+              <a:schemeClr val="tx1"/>
+            </a:fontRef>
+          </p:style>
+        </p:cxnSp>
+        <p:sp>
+          <p:nvSpPr>
+            <p:cNvPr id="8" name="Textfeld 7">
+              <a:extLst>
+                <a:ext uri="{FF2B5EF4-FFF2-40B4-BE49-F238E27FC236}">
+                  <a16:creationId xmlns:a16="http://schemas.microsoft.com/office/drawing/2014/main" id="{62DAFC09-4EEA-6505-AC50-7BF97B9CC190}"/>
+                </a:ext>
+              </a:extLst>
+            </p:cNvPr>
+            <p:cNvSpPr txBox="1"/>
+            <p:nvPr/>
+          </p:nvSpPr>
+          <p:spPr>
+            <a:xfrm>
+              <a:off x="4072980" y="1342982"/>
+              <a:ext cx="458780" cy="584775"/>
+            </a:xfrm>
+            <a:prstGeom prst="rect">
+              <a:avLst/>
+            </a:prstGeom>
+            <a:noFill/>
+          </p:spPr>
+          <p:txBody>
+            <a:bodyPr wrap="none" rtlCol="0">
+              <a:spAutoFit/>
+            </a:bodyPr>
+            <a:lstStyle/>
+            <a:p>
+              <a:pPr algn="ctr"/>
+              <a:r>
+                <a:rPr lang="de-DE" sz="3200" dirty="0">
+                  <a:latin typeface="Arial" panose="020B0604020202020204" pitchFamily="34" charset="0"/>
+                  <a:cs typeface="Arial" panose="020B0604020202020204" pitchFamily="34" charset="0"/>
+                </a:rPr>
+                <a:t>X</a:t>
+              </a:r>
+            </a:p>
+          </p:txBody>
+        </p:sp>
+        <p:sp>
+          <p:nvSpPr>
+            <p:cNvPr id="9" name="Textfeld 8">
+              <a:extLst>
+                <a:ext uri="{FF2B5EF4-FFF2-40B4-BE49-F238E27FC236}">
+                  <a16:creationId xmlns:a16="http://schemas.microsoft.com/office/drawing/2014/main" id="{B4E2A0AE-6662-0F1C-8A00-CCC856EFA1A0}"/>
+                </a:ext>
+              </a:extLst>
+            </p:cNvPr>
+            <p:cNvSpPr txBox="1"/>
+            <p:nvPr/>
+          </p:nvSpPr>
+          <p:spPr>
+            <a:xfrm>
+              <a:off x="4788088" y="2058090"/>
+              <a:ext cx="458780" cy="584775"/>
+            </a:xfrm>
+            <a:prstGeom prst="rect">
+              <a:avLst/>
+            </a:prstGeom>
+            <a:noFill/>
+          </p:spPr>
+          <p:txBody>
+            <a:bodyPr wrap="none" rtlCol="0">
+              <a:spAutoFit/>
+            </a:bodyPr>
+            <a:lstStyle/>
+            <a:p>
+              <a:pPr algn="ctr"/>
+              <a:r>
+                <a:rPr lang="de-DE" sz="3200" dirty="0">
+                  <a:latin typeface="Arial" panose="020B0604020202020204" pitchFamily="34" charset="0"/>
+                  <a:cs typeface="Arial" panose="020B0604020202020204" pitchFamily="34" charset="0"/>
+                </a:rPr>
+                <a:t>X</a:t>
+              </a:r>
+            </a:p>
+          </p:txBody>
+        </p:sp>
+        <p:sp>
+          <p:nvSpPr>
+            <p:cNvPr id="10" name="Textfeld 9">
+              <a:extLst>
+                <a:ext uri="{FF2B5EF4-FFF2-40B4-BE49-F238E27FC236}">
+                  <a16:creationId xmlns:a16="http://schemas.microsoft.com/office/drawing/2014/main" id="{D1BA8D98-6CF8-BC65-15B4-76CDC08D5EF6}"/>
+                </a:ext>
+              </a:extLst>
+            </p:cNvPr>
+            <p:cNvSpPr txBox="1"/>
+            <p:nvPr/>
+          </p:nvSpPr>
+          <p:spPr>
+            <a:xfrm>
+              <a:off x="4072980" y="2773197"/>
+              <a:ext cx="458780" cy="584775"/>
+            </a:xfrm>
+            <a:prstGeom prst="rect">
+              <a:avLst/>
+            </a:prstGeom>
+            <a:noFill/>
+          </p:spPr>
+          <p:txBody>
+            <a:bodyPr wrap="none" rtlCol="0">
+              <a:spAutoFit/>
+            </a:bodyPr>
+            <a:lstStyle/>
+            <a:p>
+              <a:pPr algn="ctr"/>
+              <a:r>
+                <a:rPr lang="de-DE" sz="3200" dirty="0">
+                  <a:latin typeface="Arial" panose="020B0604020202020204" pitchFamily="34" charset="0"/>
+                  <a:cs typeface="Arial" panose="020B0604020202020204" pitchFamily="34" charset="0"/>
+                </a:rPr>
+                <a:t>X</a:t>
+              </a:r>
+            </a:p>
+          </p:txBody>
+        </p:sp>
+        <p:sp>
+          <p:nvSpPr>
+            <p:cNvPr id="11" name="Textfeld 10">
+              <a:extLst>
+                <a:ext uri="{FF2B5EF4-FFF2-40B4-BE49-F238E27FC236}">
+                  <a16:creationId xmlns:a16="http://schemas.microsoft.com/office/drawing/2014/main" id="{627B0B39-A062-A6CE-9397-CB6C5D2B7263}"/>
+                </a:ext>
+              </a:extLst>
+            </p:cNvPr>
+            <p:cNvSpPr txBox="1"/>
+            <p:nvPr/>
+          </p:nvSpPr>
+          <p:spPr>
+            <a:xfrm>
+              <a:off x="4765646" y="1342982"/>
+              <a:ext cx="503664" cy="584775"/>
+            </a:xfrm>
+            <a:prstGeom prst="rect">
+              <a:avLst/>
+            </a:prstGeom>
+            <a:noFill/>
+          </p:spPr>
+          <p:txBody>
+            <a:bodyPr wrap="none" rtlCol="0">
+              <a:spAutoFit/>
+            </a:bodyPr>
+            <a:lstStyle/>
+            <a:p>
+              <a:pPr algn="ctr"/>
+              <a:r>
+                <a:rPr lang="de-DE" sz="3200" dirty="0">
+                  <a:latin typeface="Arial" panose="020B0604020202020204" pitchFamily="34" charset="0"/>
+                  <a:cs typeface="Arial" panose="020B0604020202020204" pitchFamily="34" charset="0"/>
+                </a:rPr>
+                <a:t>O</a:t>
+              </a:r>
+            </a:p>
+          </p:txBody>
+        </p:sp>
+        <p:sp>
+          <p:nvSpPr>
+            <p:cNvPr id="12" name="Textfeld 11">
+              <a:extLst>
+                <a:ext uri="{FF2B5EF4-FFF2-40B4-BE49-F238E27FC236}">
+                  <a16:creationId xmlns:a16="http://schemas.microsoft.com/office/drawing/2014/main" id="{C0F05DAC-B654-91C9-DAEA-72423E6099B4}"/>
+                </a:ext>
+              </a:extLst>
+            </p:cNvPr>
+            <p:cNvSpPr txBox="1"/>
+            <p:nvPr/>
+          </p:nvSpPr>
+          <p:spPr>
+            <a:xfrm>
+              <a:off x="5492476" y="2773197"/>
+              <a:ext cx="503664" cy="584775"/>
+            </a:xfrm>
+            <a:prstGeom prst="rect">
+              <a:avLst/>
+            </a:prstGeom>
+            <a:noFill/>
+          </p:spPr>
+          <p:txBody>
+            <a:bodyPr wrap="none" rtlCol="0">
+              <a:spAutoFit/>
+            </a:bodyPr>
+            <a:lstStyle/>
+            <a:p>
+              <a:pPr algn="ctr"/>
+              <a:r>
+                <a:rPr lang="de-DE" sz="3200" dirty="0">
+                  <a:latin typeface="Arial" panose="020B0604020202020204" pitchFamily="34" charset="0"/>
+                  <a:cs typeface="Arial" panose="020B0604020202020204" pitchFamily="34" charset="0"/>
+                </a:rPr>
+                <a:t>O</a:t>
+              </a:r>
+            </a:p>
+          </p:txBody>
+        </p:sp>
+      </p:grpSp>
+      <p:grpSp>
+        <p:nvGrpSpPr>
+          <p:cNvPr id="37" name="Gruppieren 36">
+            <a:extLst>
+              <a:ext uri="{FF2B5EF4-FFF2-40B4-BE49-F238E27FC236}">
+                <a16:creationId xmlns:a16="http://schemas.microsoft.com/office/drawing/2014/main" id="{4C48EB93-E93A-F22A-07B4-38CDFDBA9976}"/>
+              </a:ext>
+            </a:extLst>
+          </p:cNvPr>
+          <p:cNvGrpSpPr/>
+          <p:nvPr/>
+        </p:nvGrpSpPr>
+        <p:grpSpPr>
+          <a:xfrm>
+            <a:off x="7338646" y="1975340"/>
+            <a:ext cx="2184316" cy="2157045"/>
+            <a:chOff x="5369169" y="1975340"/>
+            <a:chExt cx="2184316" cy="2157045"/>
+          </a:xfrm>
+        </p:grpSpPr>
+        <p:cxnSp>
+          <p:nvCxnSpPr>
+            <p:cNvPr id="15" name="Gerade Verbindung 14">
+              <a:extLst>
+                <a:ext uri="{FF2B5EF4-FFF2-40B4-BE49-F238E27FC236}">
+                  <a16:creationId xmlns:a16="http://schemas.microsoft.com/office/drawing/2014/main" id="{836952B0-953D-FA92-61FC-A70EB214032B}"/>
+                </a:ext>
+              </a:extLst>
+            </p:cNvPr>
+            <p:cNvCxnSpPr/>
+            <p:nvPr/>
+          </p:nvCxnSpPr>
+          <p:spPr>
+            <a:xfrm>
+              <a:off x="6096000" y="1992923"/>
+              <a:ext cx="0" cy="2139462"/>
+            </a:xfrm>
+            <a:prstGeom prst="line">
+              <a:avLst/>
+            </a:prstGeom>
+          </p:spPr>
+          <p:style>
+            <a:lnRef idx="2">
+              <a:schemeClr val="dk1"/>
+            </a:lnRef>
+            <a:fillRef idx="0">
+              <a:schemeClr val="dk1"/>
+            </a:fillRef>
+            <a:effectRef idx="1">
+              <a:schemeClr val="dk1"/>
+            </a:effectRef>
+            <a:fontRef idx="minor">
+              <a:schemeClr val="tx1"/>
+            </a:fontRef>
+          </p:style>
+        </p:cxnSp>
+        <p:cxnSp>
+          <p:nvCxnSpPr>
+            <p:cNvPr id="16" name="Gerade Verbindung 15">
+              <a:extLst>
+                <a:ext uri="{FF2B5EF4-FFF2-40B4-BE49-F238E27FC236}">
+                  <a16:creationId xmlns:a16="http://schemas.microsoft.com/office/drawing/2014/main" id="{55AEC38C-8284-3B90-4E16-9DB825096665}"/>
+                </a:ext>
+              </a:extLst>
+            </p:cNvPr>
+            <p:cNvCxnSpPr/>
+            <p:nvPr/>
+          </p:nvCxnSpPr>
+          <p:spPr>
+            <a:xfrm>
+              <a:off x="6811107" y="1992923"/>
+              <a:ext cx="0" cy="2139462"/>
+            </a:xfrm>
+            <a:prstGeom prst="line">
+              <a:avLst/>
+            </a:prstGeom>
+          </p:spPr>
+          <p:style>
+            <a:lnRef idx="2">
+              <a:schemeClr val="dk1"/>
+            </a:lnRef>
+            <a:fillRef idx="0">
+              <a:schemeClr val="dk1"/>
+            </a:fillRef>
+            <a:effectRef idx="1">
+              <a:schemeClr val="dk1"/>
+            </a:effectRef>
+            <a:fontRef idx="minor">
+              <a:schemeClr val="tx1"/>
+            </a:fontRef>
+          </p:style>
+        </p:cxnSp>
+        <p:cxnSp>
+          <p:nvCxnSpPr>
+            <p:cNvPr id="17" name="Gerade Verbindung 16">
+              <a:extLst>
+                <a:ext uri="{FF2B5EF4-FFF2-40B4-BE49-F238E27FC236}">
+                  <a16:creationId xmlns:a16="http://schemas.microsoft.com/office/drawing/2014/main" id="{312FC3B8-36F2-6FE8-4ED3-6828023E61A3}"/>
+                </a:ext>
+              </a:extLst>
+            </p:cNvPr>
+            <p:cNvCxnSpPr/>
+            <p:nvPr/>
+          </p:nvCxnSpPr>
+          <p:spPr>
+            <a:xfrm>
+              <a:off x="5369169" y="2696308"/>
+              <a:ext cx="2157046" cy="0"/>
+            </a:xfrm>
+            <a:prstGeom prst="line">
+              <a:avLst/>
+            </a:prstGeom>
+          </p:spPr>
+          <p:style>
+            <a:lnRef idx="2">
+              <a:schemeClr val="dk1"/>
+            </a:lnRef>
+            <a:fillRef idx="0">
+              <a:schemeClr val="dk1"/>
+            </a:fillRef>
+            <a:effectRef idx="1">
+              <a:schemeClr val="dk1"/>
+            </a:effectRef>
+            <a:fontRef idx="minor">
+              <a:schemeClr val="tx1"/>
+            </a:fontRef>
+          </p:style>
+        </p:cxnSp>
+        <p:cxnSp>
+          <p:nvCxnSpPr>
+            <p:cNvPr id="18" name="Gerade Verbindung 17">
+              <a:extLst>
+                <a:ext uri="{FF2B5EF4-FFF2-40B4-BE49-F238E27FC236}">
+                  <a16:creationId xmlns:a16="http://schemas.microsoft.com/office/drawing/2014/main" id="{8D8F6B0B-FC73-1DCA-D886-2D3192BDB733}"/>
+                </a:ext>
+              </a:extLst>
+            </p:cNvPr>
+            <p:cNvCxnSpPr/>
+            <p:nvPr/>
+          </p:nvCxnSpPr>
+          <p:spPr>
+            <a:xfrm>
+              <a:off x="5369169" y="3411416"/>
+              <a:ext cx="2157046" cy="0"/>
+            </a:xfrm>
+            <a:prstGeom prst="line">
+              <a:avLst/>
+            </a:prstGeom>
+          </p:spPr>
+          <p:style>
+            <a:lnRef idx="2">
+              <a:schemeClr val="dk1"/>
+            </a:lnRef>
+            <a:fillRef idx="0">
+              <a:schemeClr val="dk1"/>
+            </a:fillRef>
+            <a:effectRef idx="1">
+              <a:schemeClr val="dk1"/>
+            </a:effectRef>
+            <a:fontRef idx="minor">
+              <a:schemeClr val="tx1"/>
+            </a:fontRef>
+          </p:style>
+        </p:cxnSp>
+        <p:sp>
+          <p:nvSpPr>
+            <p:cNvPr id="19" name="Textfeld 18">
+              <a:extLst>
+                <a:ext uri="{FF2B5EF4-FFF2-40B4-BE49-F238E27FC236}">
+                  <a16:creationId xmlns:a16="http://schemas.microsoft.com/office/drawing/2014/main" id="{0D752FB3-64EC-1E92-A6DC-E232ED3BADF7}"/>
+                </a:ext>
+              </a:extLst>
+            </p:cNvPr>
+            <p:cNvSpPr txBox="1"/>
+            <p:nvPr/>
+          </p:nvSpPr>
+          <p:spPr>
+            <a:xfrm>
+              <a:off x="5406214" y="2046367"/>
+              <a:ext cx="652743" cy="584775"/>
+            </a:xfrm>
+            <a:prstGeom prst="rect">
+              <a:avLst/>
+            </a:prstGeom>
+            <a:noFill/>
+          </p:spPr>
+          <p:txBody>
+            <a:bodyPr wrap="none" rtlCol="0">
+              <a:spAutoFit/>
+            </a:bodyPr>
+            <a:lstStyle/>
+            <a:p>
+              <a:pPr algn="ctr"/>
+              <a:r>
+                <a:rPr lang="de-DE" sz="3200" dirty="0">
+                  <a:latin typeface="Arial" panose="020B0604020202020204" pitchFamily="34" charset="0"/>
+                  <a:cs typeface="Arial" panose="020B0604020202020204" pitchFamily="34" charset="0"/>
+                </a:rPr>
+                <a:t>+1</a:t>
+              </a:r>
+            </a:p>
+          </p:txBody>
+        </p:sp>
+        <p:sp>
+          <p:nvSpPr>
+            <p:cNvPr id="20" name="Textfeld 19">
+              <a:extLst>
+                <a:ext uri="{FF2B5EF4-FFF2-40B4-BE49-F238E27FC236}">
+                  <a16:creationId xmlns:a16="http://schemas.microsoft.com/office/drawing/2014/main" id="{A0581228-CE3F-4340-356B-6C901FCB7957}"/>
+                </a:ext>
+              </a:extLst>
+            </p:cNvPr>
+            <p:cNvSpPr txBox="1"/>
+            <p:nvPr/>
+          </p:nvSpPr>
+          <p:spPr>
+            <a:xfrm>
+              <a:off x="6121322" y="2761475"/>
+              <a:ext cx="652743" cy="584775"/>
+            </a:xfrm>
+            <a:prstGeom prst="rect">
+              <a:avLst/>
+            </a:prstGeom>
+            <a:noFill/>
+          </p:spPr>
+          <p:txBody>
+            <a:bodyPr wrap="none" rtlCol="0">
+              <a:spAutoFit/>
+            </a:bodyPr>
+            <a:lstStyle/>
+            <a:p>
+              <a:pPr algn="ctr"/>
+              <a:r>
+                <a:rPr lang="de-DE" sz="3200" dirty="0">
+                  <a:latin typeface="Arial" panose="020B0604020202020204" pitchFamily="34" charset="0"/>
+                  <a:cs typeface="Arial" panose="020B0604020202020204" pitchFamily="34" charset="0"/>
+                </a:rPr>
+                <a:t>+1</a:t>
+              </a:r>
+            </a:p>
+          </p:txBody>
+        </p:sp>
+        <p:sp>
+          <p:nvSpPr>
+            <p:cNvPr id="21" name="Textfeld 20">
+              <a:extLst>
+                <a:ext uri="{FF2B5EF4-FFF2-40B4-BE49-F238E27FC236}">
+                  <a16:creationId xmlns:a16="http://schemas.microsoft.com/office/drawing/2014/main" id="{952C2EFA-2F69-4E64-2581-AFDE75B2969C}"/>
+                </a:ext>
+              </a:extLst>
+            </p:cNvPr>
+            <p:cNvSpPr txBox="1"/>
+            <p:nvPr/>
+          </p:nvSpPr>
+          <p:spPr>
+            <a:xfrm>
+              <a:off x="5406214" y="3476582"/>
+              <a:ext cx="652743" cy="584775"/>
+            </a:xfrm>
+            <a:prstGeom prst="rect">
+              <a:avLst/>
+            </a:prstGeom>
+            <a:noFill/>
+          </p:spPr>
+          <p:txBody>
+            <a:bodyPr wrap="none" rtlCol="0">
+              <a:spAutoFit/>
+            </a:bodyPr>
+            <a:lstStyle/>
+            <a:p>
+              <a:pPr algn="ctr"/>
+              <a:r>
+                <a:rPr lang="de-DE" sz="3200" dirty="0">
+                  <a:latin typeface="Arial" panose="020B0604020202020204" pitchFamily="34" charset="0"/>
+                  <a:cs typeface="Arial" panose="020B0604020202020204" pitchFamily="34" charset="0"/>
+                </a:rPr>
+                <a:t>+1</a:t>
+              </a:r>
+            </a:p>
+          </p:txBody>
+        </p:sp>
+        <p:sp>
+          <p:nvSpPr>
+            <p:cNvPr id="22" name="Textfeld 21">
+              <a:extLst>
+                <a:ext uri="{FF2B5EF4-FFF2-40B4-BE49-F238E27FC236}">
+                  <a16:creationId xmlns:a16="http://schemas.microsoft.com/office/drawing/2014/main" id="{EDD2D9C5-7DEA-7242-295A-C84026FDA2C4}"/>
+                </a:ext>
+              </a:extLst>
+            </p:cNvPr>
+            <p:cNvSpPr txBox="1"/>
+            <p:nvPr/>
+          </p:nvSpPr>
+          <p:spPr>
+            <a:xfrm>
+              <a:off x="6173419" y="2046367"/>
+              <a:ext cx="548548" cy="584775"/>
+            </a:xfrm>
+            <a:prstGeom prst="rect">
+              <a:avLst/>
+            </a:prstGeom>
+            <a:noFill/>
+          </p:spPr>
+          <p:txBody>
+            <a:bodyPr wrap="none" rtlCol="0">
+              <a:spAutoFit/>
+            </a:bodyPr>
+            <a:lstStyle/>
+            <a:p>
+              <a:pPr algn="ctr"/>
+              <a:r>
+                <a:rPr lang="de-DE" sz="3200" dirty="0">
+                  <a:latin typeface="Arial" panose="020B0604020202020204" pitchFamily="34" charset="0"/>
+                  <a:cs typeface="Arial" panose="020B0604020202020204" pitchFamily="34" charset="0"/>
+                </a:rPr>
+                <a:t>-1</a:t>
+              </a:r>
+            </a:p>
+          </p:txBody>
+        </p:sp>
+        <p:sp>
+          <p:nvSpPr>
+            <p:cNvPr id="23" name="Textfeld 22">
+              <a:extLst>
+                <a:ext uri="{FF2B5EF4-FFF2-40B4-BE49-F238E27FC236}">
+                  <a16:creationId xmlns:a16="http://schemas.microsoft.com/office/drawing/2014/main" id="{94BAA751-D4DC-0F5F-345B-1A60DF04FA27}"/>
+                </a:ext>
+              </a:extLst>
+            </p:cNvPr>
+            <p:cNvSpPr txBox="1"/>
+            <p:nvPr/>
+          </p:nvSpPr>
+          <p:spPr>
+            <a:xfrm>
+              <a:off x="6900249" y="3476582"/>
+              <a:ext cx="548548" cy="584775"/>
+            </a:xfrm>
+            <a:prstGeom prst="rect">
+              <a:avLst/>
+            </a:prstGeom>
+            <a:noFill/>
+          </p:spPr>
+          <p:txBody>
+            <a:bodyPr wrap="none" rtlCol="0">
+              <a:spAutoFit/>
+            </a:bodyPr>
+            <a:lstStyle/>
+            <a:p>
+              <a:pPr algn="ctr"/>
+              <a:r>
+                <a:rPr lang="de-DE" sz="3200" dirty="0">
+                  <a:latin typeface="Arial" panose="020B0604020202020204" pitchFamily="34" charset="0"/>
+                  <a:cs typeface="Arial" panose="020B0604020202020204" pitchFamily="34" charset="0"/>
+                </a:rPr>
+                <a:t>-1</a:t>
+              </a:r>
+            </a:p>
+          </p:txBody>
+        </p:sp>
+        <p:sp>
+          <p:nvSpPr>
+            <p:cNvPr id="24" name="Textfeld 23">
+              <a:extLst>
+                <a:ext uri="{FF2B5EF4-FFF2-40B4-BE49-F238E27FC236}">
+                  <a16:creationId xmlns:a16="http://schemas.microsoft.com/office/drawing/2014/main" id="{7E7A4AEE-2168-72A2-AF98-6B8D843F8F3F}"/>
+                </a:ext>
+              </a:extLst>
+            </p:cNvPr>
+            <p:cNvSpPr txBox="1"/>
+            <p:nvPr/>
+          </p:nvSpPr>
+          <p:spPr>
+            <a:xfrm>
+              <a:off x="5841920" y="1975340"/>
+              <a:ext cx="269626" cy="276999"/>
+            </a:xfrm>
+            <a:prstGeom prst="rect">
+              <a:avLst/>
+            </a:prstGeom>
+            <a:noFill/>
+          </p:spPr>
+          <p:txBody>
+            <a:bodyPr wrap="none" rtlCol="0">
+              <a:spAutoFit/>
+            </a:bodyPr>
+            <a:lstStyle/>
+            <a:p>
+              <a:pPr algn="r"/>
+              <a:r>
+                <a:rPr lang="de-DE" sz="1200" dirty="0">
+                  <a:latin typeface="Arial" panose="020B0604020202020204" pitchFamily="34" charset="0"/>
+                  <a:cs typeface="Arial" panose="020B0604020202020204" pitchFamily="34" charset="0"/>
+                </a:rPr>
+                <a:t>0</a:t>
+              </a:r>
+            </a:p>
+          </p:txBody>
+        </p:sp>
+        <p:sp>
+          <p:nvSpPr>
+            <p:cNvPr id="25" name="Textfeld 24">
+              <a:extLst>
+                <a:ext uri="{FF2B5EF4-FFF2-40B4-BE49-F238E27FC236}">
+                  <a16:creationId xmlns:a16="http://schemas.microsoft.com/office/drawing/2014/main" id="{8AF5A092-A4D4-9927-8EC0-6D5150D0183C}"/>
+                </a:ext>
+              </a:extLst>
+            </p:cNvPr>
+            <p:cNvSpPr txBox="1"/>
+            <p:nvPr/>
+          </p:nvSpPr>
+          <p:spPr>
+            <a:xfrm>
+              <a:off x="6557028" y="1975340"/>
+              <a:ext cx="269626" cy="276999"/>
+            </a:xfrm>
+            <a:prstGeom prst="rect">
+              <a:avLst/>
+            </a:prstGeom>
+            <a:noFill/>
+          </p:spPr>
+          <p:txBody>
+            <a:bodyPr wrap="none" rtlCol="0">
+              <a:spAutoFit/>
+            </a:bodyPr>
+            <a:lstStyle/>
+            <a:p>
+              <a:pPr algn="r"/>
+              <a:r>
+                <a:rPr lang="de-DE" sz="1200" dirty="0">
+                  <a:latin typeface="Arial" panose="020B0604020202020204" pitchFamily="34" charset="0"/>
+                  <a:cs typeface="Arial" panose="020B0604020202020204" pitchFamily="34" charset="0"/>
+                </a:rPr>
+                <a:t>1</a:t>
+              </a:r>
+            </a:p>
+          </p:txBody>
+        </p:sp>
+        <p:sp>
+          <p:nvSpPr>
+            <p:cNvPr id="26" name="Textfeld 25">
+              <a:extLst>
+                <a:ext uri="{FF2B5EF4-FFF2-40B4-BE49-F238E27FC236}">
+                  <a16:creationId xmlns:a16="http://schemas.microsoft.com/office/drawing/2014/main" id="{FDBD7ADA-D8E6-3A4B-91F7-C20030ABC95C}"/>
+                </a:ext>
+              </a:extLst>
+            </p:cNvPr>
+            <p:cNvSpPr txBox="1"/>
+            <p:nvPr/>
+          </p:nvSpPr>
+          <p:spPr>
+            <a:xfrm>
+              <a:off x="7260412" y="1975340"/>
+              <a:ext cx="269626" cy="276999"/>
+            </a:xfrm>
+            <a:prstGeom prst="rect">
+              <a:avLst/>
+            </a:prstGeom>
+            <a:noFill/>
+          </p:spPr>
+          <p:txBody>
+            <a:bodyPr wrap="none" rtlCol="0">
+              <a:spAutoFit/>
+            </a:bodyPr>
+            <a:lstStyle/>
+            <a:p>
+              <a:pPr algn="r"/>
+              <a:r>
+                <a:rPr lang="de-DE" sz="1200" dirty="0">
+                  <a:latin typeface="Arial" panose="020B0604020202020204" pitchFamily="34" charset="0"/>
+                  <a:cs typeface="Arial" panose="020B0604020202020204" pitchFamily="34" charset="0"/>
+                </a:rPr>
+                <a:t>2</a:t>
+              </a:r>
+            </a:p>
+          </p:txBody>
+        </p:sp>
+        <p:sp>
+          <p:nvSpPr>
+            <p:cNvPr id="27" name="Textfeld 26">
+              <a:extLst>
+                <a:ext uri="{FF2B5EF4-FFF2-40B4-BE49-F238E27FC236}">
+                  <a16:creationId xmlns:a16="http://schemas.microsoft.com/office/drawing/2014/main" id="{73D43D8E-9827-90D1-CADB-742B114FDCA8}"/>
+                </a:ext>
+              </a:extLst>
+            </p:cNvPr>
+            <p:cNvSpPr txBox="1"/>
+            <p:nvPr/>
+          </p:nvSpPr>
+          <p:spPr>
+            <a:xfrm>
+              <a:off x="5841920" y="2702171"/>
+              <a:ext cx="269626" cy="276999"/>
+            </a:xfrm>
+            <a:prstGeom prst="rect">
+              <a:avLst/>
+            </a:prstGeom>
+            <a:noFill/>
+          </p:spPr>
+          <p:txBody>
+            <a:bodyPr wrap="none" rtlCol="0">
+              <a:spAutoFit/>
+            </a:bodyPr>
+            <a:lstStyle/>
+            <a:p>
+              <a:pPr algn="r"/>
+              <a:r>
+                <a:rPr lang="de-DE" sz="1200" dirty="0">
+                  <a:latin typeface="Arial" panose="020B0604020202020204" pitchFamily="34" charset="0"/>
+                  <a:cs typeface="Arial" panose="020B0604020202020204" pitchFamily="34" charset="0"/>
+                </a:rPr>
+                <a:t>3</a:t>
+              </a:r>
+            </a:p>
+          </p:txBody>
+        </p:sp>
+        <p:sp>
+          <p:nvSpPr>
+            <p:cNvPr id="28" name="Textfeld 27">
+              <a:extLst>
+                <a:ext uri="{FF2B5EF4-FFF2-40B4-BE49-F238E27FC236}">
+                  <a16:creationId xmlns:a16="http://schemas.microsoft.com/office/drawing/2014/main" id="{05EC7DC0-AE12-32BF-61E5-F1D457334189}"/>
+                </a:ext>
+              </a:extLst>
+            </p:cNvPr>
+            <p:cNvSpPr txBox="1"/>
+            <p:nvPr/>
+          </p:nvSpPr>
+          <p:spPr>
+            <a:xfrm>
+              <a:off x="5841920" y="3405555"/>
+              <a:ext cx="269626" cy="276999"/>
+            </a:xfrm>
+            <a:prstGeom prst="rect">
+              <a:avLst/>
+            </a:prstGeom>
+            <a:noFill/>
+          </p:spPr>
+          <p:txBody>
+            <a:bodyPr wrap="none" rtlCol="0">
+              <a:spAutoFit/>
+            </a:bodyPr>
+            <a:lstStyle/>
+            <a:p>
+              <a:pPr algn="r"/>
+              <a:r>
+                <a:rPr lang="de-DE" sz="1200" dirty="0">
+                  <a:latin typeface="Arial" panose="020B0604020202020204" pitchFamily="34" charset="0"/>
+                  <a:cs typeface="Arial" panose="020B0604020202020204" pitchFamily="34" charset="0"/>
+                </a:rPr>
+                <a:t>6</a:t>
+              </a:r>
+            </a:p>
+          </p:txBody>
+        </p:sp>
+        <p:sp>
+          <p:nvSpPr>
+            <p:cNvPr id="29" name="Textfeld 28">
+              <a:extLst>
+                <a:ext uri="{FF2B5EF4-FFF2-40B4-BE49-F238E27FC236}">
+                  <a16:creationId xmlns:a16="http://schemas.microsoft.com/office/drawing/2014/main" id="{BFEC6E3B-B848-15EF-D357-9FF71F5E7788}"/>
+                </a:ext>
+              </a:extLst>
+            </p:cNvPr>
+            <p:cNvSpPr txBox="1"/>
+            <p:nvPr/>
+          </p:nvSpPr>
+          <p:spPr>
+            <a:xfrm>
+              <a:off x="6557028" y="2702171"/>
+              <a:ext cx="269626" cy="276999"/>
+            </a:xfrm>
+            <a:prstGeom prst="rect">
+              <a:avLst/>
+            </a:prstGeom>
+            <a:noFill/>
+          </p:spPr>
+          <p:txBody>
+            <a:bodyPr wrap="none" rtlCol="0">
+              <a:spAutoFit/>
+            </a:bodyPr>
+            <a:lstStyle/>
+            <a:p>
+              <a:pPr algn="r"/>
+              <a:r>
+                <a:rPr lang="de-DE" sz="1200" dirty="0">
+                  <a:latin typeface="Arial" panose="020B0604020202020204" pitchFamily="34" charset="0"/>
+                  <a:cs typeface="Arial" panose="020B0604020202020204" pitchFamily="34" charset="0"/>
+                </a:rPr>
+                <a:t>4</a:t>
+              </a:r>
+            </a:p>
+          </p:txBody>
+        </p:sp>
+        <p:sp>
+          <p:nvSpPr>
+            <p:cNvPr id="30" name="Textfeld 29">
+              <a:extLst>
+                <a:ext uri="{FF2B5EF4-FFF2-40B4-BE49-F238E27FC236}">
+                  <a16:creationId xmlns:a16="http://schemas.microsoft.com/office/drawing/2014/main" id="{81094776-C45D-6D50-57DA-F1792DB2315B}"/>
+                </a:ext>
+              </a:extLst>
+            </p:cNvPr>
+            <p:cNvSpPr txBox="1"/>
+            <p:nvPr/>
+          </p:nvSpPr>
+          <p:spPr>
+            <a:xfrm>
+              <a:off x="7260412" y="2702171"/>
+              <a:ext cx="269626" cy="276999"/>
+            </a:xfrm>
+            <a:prstGeom prst="rect">
+              <a:avLst/>
+            </a:prstGeom>
+            <a:noFill/>
+          </p:spPr>
+          <p:txBody>
+            <a:bodyPr wrap="none" rtlCol="0">
+              <a:spAutoFit/>
+            </a:bodyPr>
+            <a:lstStyle/>
+            <a:p>
+              <a:pPr algn="r"/>
+              <a:r>
+                <a:rPr lang="de-DE" sz="1200" dirty="0">
+                  <a:latin typeface="Arial" panose="020B0604020202020204" pitchFamily="34" charset="0"/>
+                  <a:cs typeface="Arial" panose="020B0604020202020204" pitchFamily="34" charset="0"/>
+                </a:rPr>
+                <a:t>5</a:t>
+              </a:r>
+            </a:p>
+          </p:txBody>
+        </p:sp>
+        <p:sp>
+          <p:nvSpPr>
+            <p:cNvPr id="31" name="Textfeld 30">
+              <a:extLst>
+                <a:ext uri="{FF2B5EF4-FFF2-40B4-BE49-F238E27FC236}">
+                  <a16:creationId xmlns:a16="http://schemas.microsoft.com/office/drawing/2014/main" id="{3B621E9F-1228-3F44-5FBE-2CBC606A7893}"/>
+                </a:ext>
+              </a:extLst>
+            </p:cNvPr>
+            <p:cNvSpPr txBox="1"/>
+            <p:nvPr/>
+          </p:nvSpPr>
+          <p:spPr>
+            <a:xfrm>
+              <a:off x="6545305" y="3405555"/>
+              <a:ext cx="269626" cy="276999"/>
+            </a:xfrm>
+            <a:prstGeom prst="rect">
+              <a:avLst/>
+            </a:prstGeom>
+            <a:noFill/>
+          </p:spPr>
+          <p:txBody>
+            <a:bodyPr wrap="none" rtlCol="0">
+              <a:spAutoFit/>
+            </a:bodyPr>
+            <a:lstStyle/>
+            <a:p>
+              <a:pPr algn="r"/>
+              <a:r>
+                <a:rPr lang="de-DE" sz="1200" dirty="0">
+                  <a:latin typeface="Arial" panose="020B0604020202020204" pitchFamily="34" charset="0"/>
+                  <a:cs typeface="Arial" panose="020B0604020202020204" pitchFamily="34" charset="0"/>
+                </a:rPr>
+                <a:t>7</a:t>
+              </a:r>
+            </a:p>
+          </p:txBody>
+        </p:sp>
+        <p:sp>
+          <p:nvSpPr>
+            <p:cNvPr id="32" name="Textfeld 31">
+              <a:extLst>
+                <a:ext uri="{FF2B5EF4-FFF2-40B4-BE49-F238E27FC236}">
+                  <a16:creationId xmlns:a16="http://schemas.microsoft.com/office/drawing/2014/main" id="{C07BDCAC-3F21-1484-6E53-22E4EC2746DE}"/>
+                </a:ext>
+              </a:extLst>
+            </p:cNvPr>
+            <p:cNvSpPr txBox="1"/>
+            <p:nvPr/>
+          </p:nvSpPr>
+          <p:spPr>
+            <a:xfrm>
+              <a:off x="7283859" y="3405555"/>
+              <a:ext cx="269626" cy="276999"/>
+            </a:xfrm>
+            <a:prstGeom prst="rect">
+              <a:avLst/>
+            </a:prstGeom>
+            <a:noFill/>
+          </p:spPr>
+          <p:txBody>
+            <a:bodyPr wrap="none" rtlCol="0">
+              <a:spAutoFit/>
+            </a:bodyPr>
+            <a:lstStyle/>
+            <a:p>
+              <a:pPr algn="r"/>
+              <a:r>
+                <a:rPr lang="de-DE" sz="1200" dirty="0">
+                  <a:latin typeface="Arial" panose="020B0604020202020204" pitchFamily="34" charset="0"/>
+                  <a:cs typeface="Arial" panose="020B0604020202020204" pitchFamily="34" charset="0"/>
+                </a:rPr>
+                <a:t>8</a:t>
+              </a:r>
+            </a:p>
+          </p:txBody>
+        </p:sp>
+        <p:sp>
+          <p:nvSpPr>
+            <p:cNvPr id="33" name="Textfeld 32">
+              <a:extLst>
+                <a:ext uri="{FF2B5EF4-FFF2-40B4-BE49-F238E27FC236}">
+                  <a16:creationId xmlns:a16="http://schemas.microsoft.com/office/drawing/2014/main" id="{A7CC84D7-5558-47DD-DE8E-E389F51D90BB}"/>
+                </a:ext>
+              </a:extLst>
+            </p:cNvPr>
+            <p:cNvSpPr txBox="1"/>
+            <p:nvPr/>
+          </p:nvSpPr>
+          <p:spPr>
+            <a:xfrm>
+              <a:off x="5526439" y="2749752"/>
+              <a:ext cx="412292" cy="584775"/>
+            </a:xfrm>
+            <a:prstGeom prst="rect">
+              <a:avLst/>
+            </a:prstGeom>
+            <a:noFill/>
+          </p:spPr>
+          <p:txBody>
+            <a:bodyPr wrap="none" rtlCol="0">
+              <a:spAutoFit/>
+            </a:bodyPr>
+            <a:lstStyle/>
+            <a:p>
+              <a:pPr algn="ctr"/>
+              <a:r>
+                <a:rPr lang="de-DE" sz="3200" dirty="0">
+                  <a:latin typeface="Arial" panose="020B0604020202020204" pitchFamily="34" charset="0"/>
+                  <a:cs typeface="Arial" panose="020B0604020202020204" pitchFamily="34" charset="0"/>
+                </a:rPr>
+                <a:t>0</a:t>
+              </a:r>
+            </a:p>
+          </p:txBody>
+        </p:sp>
+        <p:sp>
+          <p:nvSpPr>
+            <p:cNvPr id="34" name="Textfeld 33">
+              <a:extLst>
+                <a:ext uri="{FF2B5EF4-FFF2-40B4-BE49-F238E27FC236}">
+                  <a16:creationId xmlns:a16="http://schemas.microsoft.com/office/drawing/2014/main" id="{8CCBA48B-1FA1-1F49-BEA1-F1BBC6A27D84}"/>
+                </a:ext>
+              </a:extLst>
+            </p:cNvPr>
+            <p:cNvSpPr txBox="1"/>
+            <p:nvPr/>
+          </p:nvSpPr>
+          <p:spPr>
+            <a:xfrm>
+              <a:off x="6944932" y="2749752"/>
+              <a:ext cx="412292" cy="584775"/>
+            </a:xfrm>
+            <a:prstGeom prst="rect">
+              <a:avLst/>
+            </a:prstGeom>
+            <a:noFill/>
+          </p:spPr>
+          <p:txBody>
+            <a:bodyPr wrap="none" rtlCol="0">
+              <a:spAutoFit/>
+            </a:bodyPr>
+            <a:lstStyle/>
+            <a:p>
+              <a:pPr algn="ctr"/>
+              <a:r>
+                <a:rPr lang="de-DE" sz="3200" dirty="0">
+                  <a:latin typeface="Arial" panose="020B0604020202020204" pitchFamily="34" charset="0"/>
+                  <a:cs typeface="Arial" panose="020B0604020202020204" pitchFamily="34" charset="0"/>
+                </a:rPr>
+                <a:t>0</a:t>
+              </a:r>
+            </a:p>
+          </p:txBody>
+        </p:sp>
+        <p:sp>
+          <p:nvSpPr>
+            <p:cNvPr id="35" name="Textfeld 34">
+              <a:extLst>
+                <a:ext uri="{FF2B5EF4-FFF2-40B4-BE49-F238E27FC236}">
+                  <a16:creationId xmlns:a16="http://schemas.microsoft.com/office/drawing/2014/main" id="{107428E2-3D5D-254A-CB7D-646D9F2E4DFD}"/>
+                </a:ext>
+              </a:extLst>
+            </p:cNvPr>
+            <p:cNvSpPr txBox="1"/>
+            <p:nvPr/>
+          </p:nvSpPr>
+          <p:spPr>
+            <a:xfrm>
+              <a:off x="6944932" y="2046367"/>
+              <a:ext cx="412292" cy="584775"/>
+            </a:xfrm>
+            <a:prstGeom prst="rect">
+              <a:avLst/>
+            </a:prstGeom>
+            <a:noFill/>
+          </p:spPr>
+          <p:txBody>
+            <a:bodyPr wrap="none" rtlCol="0">
+              <a:spAutoFit/>
+            </a:bodyPr>
+            <a:lstStyle/>
+            <a:p>
+              <a:pPr algn="ctr"/>
+              <a:r>
+                <a:rPr lang="de-DE" sz="3200" dirty="0">
+                  <a:latin typeface="Arial" panose="020B0604020202020204" pitchFamily="34" charset="0"/>
+                  <a:cs typeface="Arial" panose="020B0604020202020204" pitchFamily="34" charset="0"/>
+                </a:rPr>
+                <a:t>0</a:t>
+              </a:r>
+            </a:p>
+          </p:txBody>
+        </p:sp>
+        <p:sp>
+          <p:nvSpPr>
+            <p:cNvPr id="36" name="Textfeld 35">
+              <a:extLst>
+                <a:ext uri="{FF2B5EF4-FFF2-40B4-BE49-F238E27FC236}">
+                  <a16:creationId xmlns:a16="http://schemas.microsoft.com/office/drawing/2014/main" id="{D33CD850-9750-46AE-D24E-3510AC622018}"/>
+                </a:ext>
+              </a:extLst>
+            </p:cNvPr>
+            <p:cNvSpPr txBox="1"/>
+            <p:nvPr/>
+          </p:nvSpPr>
+          <p:spPr>
+            <a:xfrm>
+              <a:off x="6229824" y="3476583"/>
+              <a:ext cx="412292" cy="584775"/>
+            </a:xfrm>
+            <a:prstGeom prst="rect">
+              <a:avLst/>
+            </a:prstGeom>
+            <a:noFill/>
+          </p:spPr>
+          <p:txBody>
+            <a:bodyPr wrap="none" rtlCol="0">
+              <a:spAutoFit/>
+            </a:bodyPr>
+            <a:lstStyle/>
+            <a:p>
+              <a:pPr algn="ctr"/>
+              <a:r>
+                <a:rPr lang="de-DE" sz="3200" dirty="0">
+                  <a:latin typeface="Arial" panose="020B0604020202020204" pitchFamily="34" charset="0"/>
+                  <a:cs typeface="Arial" panose="020B0604020202020204" pitchFamily="34" charset="0"/>
+                </a:rPr>
+                <a:t>0</a:t>
+              </a:r>
+            </a:p>
+          </p:txBody>
+        </p:sp>
+      </p:grpSp>
+    </p:spTree>
+    <p:extLst>
+      <p:ext uri="{BB962C8B-B14F-4D97-AF65-F5344CB8AC3E}">
+        <p14:creationId xmlns:p14="http://schemas.microsoft.com/office/powerpoint/2010/main" val="1151787873"/>
       </p:ext>
     </p:extLst>
   </p:cSld>

--- a/KodierungUndRepräsentation/KodierungUndRepräsentation.pptx
+++ b/KodierungUndRepräsentation/KodierungUndRepräsentation.pptx
@@ -5,13 +5,14 @@
     <p:sldMasterId id="2147483668" r:id="rId1"/>
   </p:sldMasterIdLst>
   <p:notesMasterIdLst>
-    <p:notesMasterId r:id="rId6"/>
+    <p:notesMasterId r:id="rId7"/>
   </p:notesMasterIdLst>
   <p:sldIdLst>
-    <p:sldId id="425" r:id="rId2"/>
-    <p:sldId id="429" r:id="rId3"/>
-    <p:sldId id="426" r:id="rId4"/>
-    <p:sldId id="430" r:id="rId5"/>
+    <p:sldId id="431" r:id="rId2"/>
+    <p:sldId id="425" r:id="rId3"/>
+    <p:sldId id="429" r:id="rId4"/>
+    <p:sldId id="426" r:id="rId5"/>
+    <p:sldId id="430" r:id="rId6"/>
   </p:sldIdLst>
   <p:sldSz cx="12192000" cy="6858000"/>
   <p:notesSz cx="6858000" cy="9144000"/>
@@ -200,7 +201,7 @@
           <a:p>
             <a:fld id="{8DD0416D-017C-4586-925E-348717DD9C44}" type="datetimeFigureOut">
               <a:rPr lang="de-DE" smtClean="0"/>
-              <a:t>30.12.24</a:t>
+              <a:t>01.01.25</a:t>
             </a:fld>
             <a:endParaRPr lang="de-DE"/>
           </a:p>
@@ -609,7 +610,7 @@
             <a:fld id="{B61BEF0D-F0BB-DE4B-95CE-6DB70DBA9567}" type="datetimeFigureOut">
               <a:rPr lang="en-US" smtClean="0"/>
               <a:pPr/>
-              <a:t>12/30/24</a:t>
+              <a:t>1/1/25</a:t>
             </a:fld>
             <a:endParaRPr lang="en-US" dirty="0"/>
           </a:p>
@@ -893,7 +894,7 @@
             <a:fld id="{B61BEF0D-F0BB-DE4B-95CE-6DB70DBA9567}" type="datetimeFigureOut">
               <a:rPr lang="en-US" smtClean="0"/>
               <a:pPr/>
-              <a:t>12/30/24</a:t>
+              <a:t>1/1/25</a:t>
             </a:fld>
             <a:endParaRPr lang="en-US" dirty="0"/>
           </a:p>
@@ -1087,7 +1088,7 @@
             <a:fld id="{B61BEF0D-F0BB-DE4B-95CE-6DB70DBA9567}" type="datetimeFigureOut">
               <a:rPr lang="en-US" smtClean="0"/>
               <a:pPr/>
-              <a:t>12/30/24</a:t>
+              <a:t>1/1/25</a:t>
             </a:fld>
             <a:endParaRPr lang="en-US" dirty="0"/>
           </a:p>
@@ -1350,7 +1351,7 @@
             <a:fld id="{B61BEF0D-F0BB-DE4B-95CE-6DB70DBA9567}" type="datetimeFigureOut">
               <a:rPr lang="en-US" smtClean="0"/>
               <a:pPr/>
-              <a:t>12/30/24</a:t>
+              <a:t>1/1/25</a:t>
             </a:fld>
             <a:endParaRPr lang="en-US" dirty="0"/>
           </a:p>
@@ -1776,7 +1777,7 @@
             <a:fld id="{B61BEF0D-F0BB-DE4B-95CE-6DB70DBA9567}" type="datetimeFigureOut">
               <a:rPr lang="en-US" smtClean="0"/>
               <a:pPr/>
-              <a:t>12/30/24</a:t>
+              <a:t>1/1/25</a:t>
             </a:fld>
             <a:endParaRPr lang="en-US" dirty="0"/>
           </a:p>
@@ -2324,7 +2325,7 @@
             <a:fld id="{B61BEF0D-F0BB-DE4B-95CE-6DB70DBA9567}" type="datetimeFigureOut">
               <a:rPr lang="en-US" smtClean="0"/>
               <a:pPr/>
-              <a:t>12/30/24</a:t>
+              <a:t>1/1/25</a:t>
             </a:fld>
             <a:endParaRPr lang="en-US" dirty="0"/>
           </a:p>
@@ -3148,7 +3149,7 @@
             <a:fld id="{B61BEF0D-F0BB-DE4B-95CE-6DB70DBA9567}" type="datetimeFigureOut">
               <a:rPr lang="en-US" smtClean="0"/>
               <a:pPr/>
-              <a:t>12/30/24</a:t>
+              <a:t>1/1/25</a:t>
             </a:fld>
             <a:endParaRPr lang="en-US" dirty="0"/>
           </a:p>
@@ -3324,7 +3325,7 @@
           <a:p>
             <a:fld id="{55C6B4A9-1611-4792-9094-5F34BCA07E0B}" type="datetimeFigureOut">
               <a:rPr lang="en-US" smtClean="0"/>
-              <a:t>12/30/24</a:t>
+              <a:t>1/1/25</a:t>
             </a:fld>
             <a:endParaRPr lang="en-US" dirty="0"/>
           </a:p>
@@ -3539,7 +3540,7 @@
             <a:fld id="{B61BEF0D-F0BB-DE4B-95CE-6DB70DBA9567}" type="datetimeFigureOut">
               <a:rPr lang="en-US" smtClean="0"/>
               <a:pPr/>
-              <a:t>12/30/24</a:t>
+              <a:t>1/1/25</a:t>
             </a:fld>
             <a:endParaRPr lang="en-US" dirty="0"/>
           </a:p>
@@ -3729,7 +3730,7 @@
             <a:fld id="{B61BEF0D-F0BB-DE4B-95CE-6DB70DBA9567}" type="datetimeFigureOut">
               <a:rPr lang="en-US" smtClean="0"/>
               <a:pPr/>
-              <a:t>12/30/24</a:t>
+              <a:t>1/1/25</a:t>
             </a:fld>
             <a:endParaRPr lang="en-US" dirty="0"/>
           </a:p>
@@ -3981,7 +3982,7 @@
             <a:fld id="{B61BEF0D-F0BB-DE4B-95CE-6DB70DBA9567}" type="datetimeFigureOut">
               <a:rPr lang="en-US" smtClean="0"/>
               <a:pPr/>
-              <a:t>12/30/24</a:t>
+              <a:t>1/1/25</a:t>
             </a:fld>
             <a:endParaRPr lang="en-US" dirty="0"/>
           </a:p>
@@ -4219,7 +4220,7 @@
           <a:p>
             <a:fld id="{EB712588-04B1-427B-82EE-E8DB90309F08}" type="datetimeFigureOut">
               <a:rPr lang="en-US" smtClean="0"/>
-              <a:t>12/30/24</a:t>
+              <a:t>1/1/25</a:t>
             </a:fld>
             <a:endParaRPr lang="en-US" dirty="0"/>
           </a:p>
@@ -4605,7 +4606,7 @@
             <a:fld id="{B61BEF0D-F0BB-DE4B-95CE-6DB70DBA9567}" type="datetimeFigureOut">
               <a:rPr lang="en-US" smtClean="0"/>
               <a:pPr/>
-              <a:t>12/30/24</a:t>
+              <a:t>1/1/25</a:t>
             </a:fld>
             <a:endParaRPr lang="en-US" dirty="0"/>
           </a:p>
@@ -4776,7 +4777,7 @@
             <a:fld id="{B61BEF0D-F0BB-DE4B-95CE-6DB70DBA9567}" type="datetimeFigureOut">
               <a:rPr lang="en-US" smtClean="0"/>
               <a:pPr/>
-              <a:t>12/30/24</a:t>
+              <a:t>1/1/25</a:t>
             </a:fld>
             <a:endParaRPr lang="en-US" dirty="0"/>
           </a:p>
@@ -5026,7 +5027,7 @@
           <a:p>
             <a:fld id="{42A54C80-263E-416B-A8E0-580EDEADCBDC}" type="datetimeFigureOut">
               <a:rPr lang="en-US" smtClean="0"/>
-              <a:t>12/30/24</a:t>
+              <a:t>1/1/25</a:t>
             </a:fld>
             <a:endParaRPr lang="en-US" dirty="0"/>
           </a:p>
@@ -5309,7 +5310,7 @@
             <a:fld id="{B61BEF0D-F0BB-DE4B-95CE-6DB70DBA9567}" type="datetimeFigureOut">
               <a:rPr lang="en-US" smtClean="0"/>
               <a:pPr/>
-              <a:t>12/30/24</a:t>
+              <a:t>1/1/25</a:t>
             </a:fld>
             <a:endParaRPr lang="en-US" dirty="0"/>
           </a:p>
@@ -5525,7 +5526,7 @@
             <a:fld id="{B61BEF0D-F0BB-DE4B-95CE-6DB70DBA9567}" type="datetimeFigureOut">
               <a:rPr lang="en-US" smtClean="0"/>
               <a:pPr/>
-              <a:t>12/30/24</a:t>
+              <a:t>1/1/25</a:t>
             </a:fld>
             <a:endParaRPr lang="en-US" dirty="0"/>
           </a:p>
@@ -5958,6 +5959,431 @@
   <p:cSld>
     <p:spTree>
       <p:nvGrpSpPr>
+        <p:cNvPr id="1" name=""/>
+        <p:cNvGrpSpPr/>
+        <p:nvPr/>
+      </p:nvGrpSpPr>
+      <p:grpSpPr>
+        <a:xfrm>
+          <a:off x="0" y="0"/>
+          <a:ext cx="0" cy="0"/>
+          <a:chOff x="0" y="0"/>
+          <a:chExt cx="0" cy="0"/>
+        </a:xfrm>
+      </p:grpSpPr>
+      <p:grpSp>
+        <p:nvGrpSpPr>
+          <p:cNvPr id="14" name="Gruppieren 13">
+            <a:extLst>
+              <a:ext uri="{FF2B5EF4-FFF2-40B4-BE49-F238E27FC236}">
+                <a16:creationId xmlns:a16="http://schemas.microsoft.com/office/drawing/2014/main" id="{E58B116A-6142-ECAA-9142-16BDBDC4CAA5}"/>
+              </a:ext>
+            </a:extLst>
+          </p:cNvPr>
+          <p:cNvGrpSpPr/>
+          <p:nvPr/>
+        </p:nvGrpSpPr>
+        <p:grpSpPr>
+          <a:xfrm>
+            <a:off x="948286" y="2312653"/>
+            <a:ext cx="10288479" cy="1906663"/>
+            <a:chOff x="948286" y="2312653"/>
+            <a:chExt cx="10288479" cy="1906663"/>
+          </a:xfrm>
+        </p:grpSpPr>
+        <p:sp>
+          <p:nvSpPr>
+            <p:cNvPr id="2" name="Textfeld 1">
+              <a:extLst>
+                <a:ext uri="{FF2B5EF4-FFF2-40B4-BE49-F238E27FC236}">
+                  <a16:creationId xmlns:a16="http://schemas.microsoft.com/office/drawing/2014/main" id="{3620B84C-95CE-CBF4-8939-69A19CC61C07}"/>
+                </a:ext>
+              </a:extLst>
+            </p:cNvPr>
+            <p:cNvSpPr txBox="1"/>
+            <p:nvPr/>
+          </p:nvSpPr>
+          <p:spPr>
+            <a:xfrm>
+              <a:off x="2227121" y="2630676"/>
+              <a:ext cx="2274982" cy="461665"/>
+            </a:xfrm>
+            <a:prstGeom prst="rect">
+              <a:avLst/>
+            </a:prstGeom>
+            <a:noFill/>
+          </p:spPr>
+          <p:txBody>
+            <a:bodyPr wrap="square" rtlCol="0">
+              <a:spAutoFit/>
+            </a:bodyPr>
+            <a:lstStyle/>
+            <a:p>
+              <a:pPr algn="ctr"/>
+              <a:r>
+                <a:rPr lang="de-DE" sz="2400" dirty="0">
+                  <a:latin typeface="Arial" panose="020B0604020202020204" pitchFamily="34" charset="0"/>
+                  <a:cs typeface="Arial" panose="020B0604020202020204" pitchFamily="34" charset="0"/>
+                </a:rPr>
+                <a:t>Repräsentation</a:t>
+              </a:r>
+            </a:p>
+          </p:txBody>
+        </p:sp>
+        <p:sp>
+          <p:nvSpPr>
+            <p:cNvPr id="3" name="Textfeld 2">
+              <a:extLst>
+                <a:ext uri="{FF2B5EF4-FFF2-40B4-BE49-F238E27FC236}">
+                  <a16:creationId xmlns:a16="http://schemas.microsoft.com/office/drawing/2014/main" id="{7844DA6F-FE62-1ADA-51A9-E19443CE0A20}"/>
+                </a:ext>
+              </a:extLst>
+            </p:cNvPr>
+            <p:cNvSpPr txBox="1"/>
+            <p:nvPr/>
+          </p:nvSpPr>
+          <p:spPr>
+            <a:xfrm>
+              <a:off x="7743501" y="2630676"/>
+              <a:ext cx="2274982" cy="461665"/>
+            </a:xfrm>
+            <a:prstGeom prst="rect">
+              <a:avLst/>
+            </a:prstGeom>
+            <a:noFill/>
+          </p:spPr>
+          <p:txBody>
+            <a:bodyPr wrap="square" rtlCol="0">
+              <a:spAutoFit/>
+            </a:bodyPr>
+            <a:lstStyle/>
+            <a:p>
+              <a:pPr algn="ctr"/>
+              <a:r>
+                <a:rPr lang="de-DE" sz="2400" dirty="0">
+                  <a:latin typeface="Arial" panose="020B0604020202020204" pitchFamily="34" charset="0"/>
+                  <a:cs typeface="Arial" panose="020B0604020202020204" pitchFamily="34" charset="0"/>
+                </a:rPr>
+                <a:t>Repräsentation</a:t>
+              </a:r>
+            </a:p>
+          </p:txBody>
+        </p:sp>
+        <p:sp>
+          <p:nvSpPr>
+            <p:cNvPr id="4" name="Textfeld 3">
+              <a:extLst>
+                <a:ext uri="{FF2B5EF4-FFF2-40B4-BE49-F238E27FC236}">
+                  <a16:creationId xmlns:a16="http://schemas.microsoft.com/office/drawing/2014/main" id="{12AD4747-8E8B-947B-2C66-B8EEDB86EF40}"/>
+                </a:ext>
+              </a:extLst>
+            </p:cNvPr>
+            <p:cNvSpPr txBox="1"/>
+            <p:nvPr/>
+          </p:nvSpPr>
+          <p:spPr>
+            <a:xfrm>
+              <a:off x="948286" y="3018987"/>
+              <a:ext cx="3607422" cy="923330"/>
+            </a:xfrm>
+            <a:prstGeom prst="rect">
+              <a:avLst/>
+            </a:prstGeom>
+            <a:noFill/>
+          </p:spPr>
+          <p:txBody>
+            <a:bodyPr wrap="square" rtlCol="0">
+              <a:spAutoFit/>
+            </a:bodyPr>
+            <a:lstStyle/>
+            <a:p>
+              <a:pPr algn="r"/>
+              <a:r>
+                <a:rPr lang="de-DE" dirty="0">
+                  <a:latin typeface="Arial" panose="020B0604020202020204" pitchFamily="34" charset="0"/>
+                  <a:cs typeface="Arial" panose="020B0604020202020204" pitchFamily="34" charset="0"/>
+                </a:rPr>
+                <a:t>eines Sachverhalts,</a:t>
+              </a:r>
+            </a:p>
+            <a:p>
+              <a:pPr algn="r"/>
+              <a:r>
+                <a:rPr lang="de-DE" dirty="0">
+                  <a:latin typeface="Arial" panose="020B0604020202020204" pitchFamily="34" charset="0"/>
+                  <a:cs typeface="Arial" panose="020B0604020202020204" pitchFamily="34" charset="0"/>
+                </a:rPr>
+                <a:t>einer Idee, einer Konzeption,</a:t>
+              </a:r>
+            </a:p>
+            <a:p>
+              <a:pPr algn="r"/>
+              <a:r>
+                <a:rPr lang="de-DE" dirty="0">
+                  <a:latin typeface="Arial" panose="020B0604020202020204" pitchFamily="34" charset="0"/>
+                  <a:cs typeface="Arial" panose="020B0604020202020204" pitchFamily="34" charset="0"/>
+                </a:rPr>
+                <a:t>einer Vorstellung, etc.</a:t>
+              </a:r>
+            </a:p>
+          </p:txBody>
+        </p:sp>
+        <p:sp>
+          <p:nvSpPr>
+            <p:cNvPr id="5" name="Textfeld 4">
+              <a:extLst>
+                <a:ext uri="{FF2B5EF4-FFF2-40B4-BE49-F238E27FC236}">
+                  <a16:creationId xmlns:a16="http://schemas.microsoft.com/office/drawing/2014/main" id="{5B565283-5688-E08D-2CDB-B8E68ED3FB64}"/>
+                </a:ext>
+              </a:extLst>
+            </p:cNvPr>
+            <p:cNvSpPr txBox="1"/>
+            <p:nvPr/>
+          </p:nvSpPr>
+          <p:spPr>
+            <a:xfrm>
+              <a:off x="7743501" y="3018987"/>
+              <a:ext cx="3493264" cy="1200329"/>
+            </a:xfrm>
+            <a:prstGeom prst="rect">
+              <a:avLst/>
+            </a:prstGeom>
+            <a:noFill/>
+          </p:spPr>
+          <p:txBody>
+            <a:bodyPr wrap="square" rtlCol="0">
+              <a:spAutoFit/>
+            </a:bodyPr>
+            <a:lstStyle/>
+            <a:p>
+              <a:r>
+                <a:rPr lang="de-DE" dirty="0">
+                  <a:latin typeface="Arial" panose="020B0604020202020204" pitchFamily="34" charset="0"/>
+                  <a:cs typeface="Arial" panose="020B0604020202020204" pitchFamily="34" charset="0"/>
+                </a:rPr>
+                <a:t>eines Programms mit</a:t>
+              </a:r>
+            </a:p>
+            <a:p>
+              <a:r>
+                <a:rPr lang="de-DE" dirty="0">
+                  <a:latin typeface="Arial" panose="020B0604020202020204" pitchFamily="34" charset="0"/>
+                  <a:cs typeface="Arial" panose="020B0604020202020204" pitchFamily="34" charset="0"/>
+                </a:rPr>
+                <a:t>den Ausdrucksmitteln der</a:t>
+              </a:r>
+            </a:p>
+            <a:p>
+              <a:r>
+                <a:rPr lang="de-DE" dirty="0">
+                  <a:latin typeface="Arial" panose="020B0604020202020204" pitchFamily="34" charset="0"/>
+                  <a:cs typeface="Arial" panose="020B0604020202020204" pitchFamily="34" charset="0"/>
+                </a:rPr>
+                <a:t>Programmiersprache und denen</a:t>
+              </a:r>
+            </a:p>
+            <a:p>
+              <a:r>
+                <a:rPr lang="de-DE" dirty="0">
+                  <a:latin typeface="Arial" panose="020B0604020202020204" pitchFamily="34" charset="0"/>
+                  <a:cs typeface="Arial" panose="020B0604020202020204" pitchFamily="34" charset="0"/>
+                </a:rPr>
+                <a:t>von Programmbibliotheken</a:t>
+              </a:r>
+            </a:p>
+          </p:txBody>
+        </p:sp>
+        <p:cxnSp>
+          <p:nvCxnSpPr>
+            <p:cNvPr id="7" name="Gerade Verbindung mit Pfeil 6">
+              <a:extLst>
+                <a:ext uri="{FF2B5EF4-FFF2-40B4-BE49-F238E27FC236}">
+                  <a16:creationId xmlns:a16="http://schemas.microsoft.com/office/drawing/2014/main" id="{97F4C43E-9825-66AC-4B6D-BA5DD8F87929}"/>
+                </a:ext>
+              </a:extLst>
+            </p:cNvPr>
+            <p:cNvCxnSpPr>
+              <a:cxnSpLocks/>
+            </p:cNvCxnSpPr>
+            <p:nvPr/>
+          </p:nvCxnSpPr>
+          <p:spPr>
+            <a:xfrm>
+              <a:off x="4502103" y="2721332"/>
+              <a:ext cx="3187794" cy="1"/>
+            </a:xfrm>
+            <a:prstGeom prst="straightConnector1">
+              <a:avLst/>
+            </a:prstGeom>
+            <a:ln w="19050" cap="flat" cmpd="sng" algn="ctr">
+              <a:solidFill>
+                <a:schemeClr val="dk1"/>
+              </a:solidFill>
+              <a:prstDash val="solid"/>
+              <a:round/>
+              <a:headEnd type="none" w="med" len="med"/>
+              <a:tailEnd type="arrow" w="med" len="med"/>
+            </a:ln>
+          </p:spPr>
+          <p:style>
+            <a:lnRef idx="0">
+              <a:scrgbClr r="0" g="0" b="0"/>
+            </a:lnRef>
+            <a:fillRef idx="0">
+              <a:scrgbClr r="0" g="0" b="0"/>
+            </a:fillRef>
+            <a:effectRef idx="0">
+              <a:scrgbClr r="0" g="0" b="0"/>
+            </a:effectRef>
+            <a:fontRef idx="minor">
+              <a:schemeClr val="tx1"/>
+            </a:fontRef>
+          </p:style>
+        </p:cxnSp>
+        <p:cxnSp>
+          <p:nvCxnSpPr>
+            <p:cNvPr id="8" name="Gerade Verbindung mit Pfeil 7">
+              <a:extLst>
+                <a:ext uri="{FF2B5EF4-FFF2-40B4-BE49-F238E27FC236}">
+                  <a16:creationId xmlns:a16="http://schemas.microsoft.com/office/drawing/2014/main" id="{CA1DEC20-5061-17D8-6BFA-5D13BF6F9737}"/>
+                </a:ext>
+              </a:extLst>
+            </p:cNvPr>
+            <p:cNvCxnSpPr>
+              <a:cxnSpLocks/>
+            </p:cNvCxnSpPr>
+            <p:nvPr/>
+          </p:nvCxnSpPr>
+          <p:spPr>
+            <a:xfrm flipH="1">
+              <a:off x="4502103" y="3036126"/>
+              <a:ext cx="3187794" cy="1"/>
+            </a:xfrm>
+            <a:prstGeom prst="straightConnector1">
+              <a:avLst/>
+            </a:prstGeom>
+            <a:ln w="19050" cap="flat" cmpd="sng" algn="ctr">
+              <a:solidFill>
+                <a:schemeClr val="dk1"/>
+              </a:solidFill>
+              <a:prstDash val="solid"/>
+              <a:round/>
+              <a:headEnd type="none" w="med" len="med"/>
+              <a:tailEnd type="arrow" w="med" len="med"/>
+            </a:ln>
+          </p:spPr>
+          <p:style>
+            <a:lnRef idx="0">
+              <a:scrgbClr r="0" g="0" b="0"/>
+            </a:lnRef>
+            <a:fillRef idx="0">
+              <a:scrgbClr r="0" g="0" b="0"/>
+            </a:fillRef>
+            <a:effectRef idx="0">
+              <a:scrgbClr r="0" g="0" b="0"/>
+            </a:effectRef>
+            <a:fontRef idx="minor">
+              <a:schemeClr val="tx1"/>
+            </a:fontRef>
+          </p:style>
+        </p:cxnSp>
+        <p:sp>
+          <p:nvSpPr>
+            <p:cNvPr id="10" name="Textfeld 9">
+              <a:extLst>
+                <a:ext uri="{FF2B5EF4-FFF2-40B4-BE49-F238E27FC236}">
+                  <a16:creationId xmlns:a16="http://schemas.microsoft.com/office/drawing/2014/main" id="{C0B9ED78-5523-E6CF-C7B5-BF88641A7B1A}"/>
+                </a:ext>
+              </a:extLst>
+            </p:cNvPr>
+            <p:cNvSpPr txBox="1"/>
+            <p:nvPr/>
+          </p:nvSpPr>
+          <p:spPr>
+            <a:xfrm>
+              <a:off x="5418571" y="2312653"/>
+              <a:ext cx="1354858" cy="400110"/>
+            </a:xfrm>
+            <a:prstGeom prst="rect">
+              <a:avLst/>
+            </a:prstGeom>
+            <a:noFill/>
+          </p:spPr>
+          <p:txBody>
+            <a:bodyPr wrap="square" rtlCol="0">
+              <a:spAutoFit/>
+            </a:bodyPr>
+            <a:lstStyle/>
+            <a:p>
+              <a:pPr algn="ctr"/>
+              <a:r>
+                <a:rPr lang="de-DE" sz="2000" dirty="0">
+                  <a:latin typeface="Arial" panose="020B0604020202020204" pitchFamily="34" charset="0"/>
+                  <a:cs typeface="Arial" panose="020B0604020202020204" pitchFamily="34" charset="0"/>
+                </a:rPr>
+                <a:t>Kodierung</a:t>
+              </a:r>
+            </a:p>
+          </p:txBody>
+        </p:sp>
+        <p:sp>
+          <p:nvSpPr>
+            <p:cNvPr id="11" name="Textfeld 10">
+              <a:extLst>
+                <a:ext uri="{FF2B5EF4-FFF2-40B4-BE49-F238E27FC236}">
+                  <a16:creationId xmlns:a16="http://schemas.microsoft.com/office/drawing/2014/main" id="{4A71A8C9-338B-D5C4-6975-D44E810E9375}"/>
+                </a:ext>
+              </a:extLst>
+            </p:cNvPr>
+            <p:cNvSpPr txBox="1"/>
+            <p:nvPr/>
+          </p:nvSpPr>
+          <p:spPr>
+            <a:xfrm>
+              <a:off x="5148469" y="3037047"/>
+              <a:ext cx="1895071" cy="400110"/>
+            </a:xfrm>
+            <a:prstGeom prst="rect">
+              <a:avLst/>
+            </a:prstGeom>
+            <a:noFill/>
+          </p:spPr>
+          <p:txBody>
+            <a:bodyPr wrap="square" rtlCol="0">
+              <a:spAutoFit/>
+            </a:bodyPr>
+            <a:lstStyle/>
+            <a:p>
+              <a:pPr algn="ctr"/>
+              <a:r>
+                <a:rPr lang="de-DE" sz="2000" dirty="0">
+                  <a:latin typeface="Arial" panose="020B0604020202020204" pitchFamily="34" charset="0"/>
+                  <a:cs typeface="Arial" panose="020B0604020202020204" pitchFamily="34" charset="0"/>
+                </a:rPr>
+                <a:t>Rekonstruktion</a:t>
+              </a:r>
+            </a:p>
+          </p:txBody>
+        </p:sp>
+      </p:grpSp>
+    </p:spTree>
+    <p:extLst>
+      <p:ext uri="{BB962C8B-B14F-4D97-AF65-F5344CB8AC3E}">
+        <p14:creationId xmlns:p14="http://schemas.microsoft.com/office/powerpoint/2010/main" val="1267893885"/>
+      </p:ext>
+    </p:extLst>
+  </p:cSld>
+  <p:clrMapOvr>
+    <a:masterClrMapping/>
+  </p:clrMapOvr>
+</p:sld>
+</file>
+
+<file path=ppt/slides/slide2.xml><?xml version="1.0" encoding="utf-8"?>
+<p:sld xmlns:a="http://schemas.openxmlformats.org/drawingml/2006/main" xmlns:r="http://schemas.openxmlformats.org/officeDocument/2006/relationships" xmlns:p="http://schemas.openxmlformats.org/presentationml/2006/main">
+  <p:cSld>
+    <p:spTree>
+      <p:nvGrpSpPr>
         <p:cNvPr id="1" name="">
           <a:extLst>
             <a:ext uri="{FF2B5EF4-FFF2-40B4-BE49-F238E27FC236}">
@@ -5976,46 +6402,6 @@
           <a:chExt cx="0" cy="0"/>
         </a:xfrm>
       </p:grpSpPr>
-      <p:sp>
-        <p:nvSpPr>
-          <p:cNvPr id="425988" name="Rectangle 4">
-            <a:extLst>
-              <a:ext uri="{FF2B5EF4-FFF2-40B4-BE49-F238E27FC236}">
-                <a16:creationId xmlns:a16="http://schemas.microsoft.com/office/drawing/2014/main" id="{5C22C5C7-C67D-A8B0-22FE-3F9399BE44AF}"/>
-              </a:ext>
-            </a:extLst>
-          </p:cNvPr>
-          <p:cNvSpPr>
-            <a:spLocks noGrp="1" noChangeArrowheads="1"/>
-          </p:cNvSpPr>
-          <p:nvPr>
-            <p:ph type="title"/>
-          </p:nvPr>
-        </p:nvSpPr>
-        <p:spPr>
-          <a:xfrm>
-            <a:off x="913775" y="161316"/>
-            <a:ext cx="10364451" cy="1138977"/>
-          </a:xfrm>
-        </p:spPr>
-        <p:txBody>
-          <a:bodyPr/>
-          <a:lstStyle/>
-          <a:p>
-            <a:r>
-              <a:rPr lang="de-DE" altLang="de-DE" dirty="0">
-                <a:latin typeface="Arial" panose="020B0604020202020204" pitchFamily="34" charset="0"/>
-                <a:cs typeface="Arial" panose="020B0604020202020204" pitchFamily="34" charset="0"/>
-              </a:rPr>
-              <a:t>Kodierung: Interne Spielbrettdarstellung</a:t>
-            </a:r>
-            <a:endParaRPr lang="de-DE" altLang="de-DE" sz="1800" dirty="0">
-              <a:latin typeface="Arial" panose="020B0604020202020204" pitchFamily="34" charset="0"/>
-              <a:cs typeface="Arial" panose="020B0604020202020204" pitchFamily="34" charset="0"/>
-            </a:endParaRPr>
-          </a:p>
-        </p:txBody>
-      </p:sp>
       <p:grpSp>
         <p:nvGrpSpPr>
           <p:cNvPr id="4" name="Gruppieren 3">
@@ -14553,7 +14939,7 @@
 </p:sld>
 </file>
 
-<file path=ppt/slides/slide2.xml><?xml version="1.0" encoding="utf-8"?>
+<file path=ppt/slides/slide3.xml><?xml version="1.0" encoding="utf-8"?>
 <p:sld xmlns:a="http://schemas.openxmlformats.org/drawingml/2006/main" xmlns:r="http://schemas.openxmlformats.org/officeDocument/2006/relationships" xmlns:p="http://schemas.openxmlformats.org/presentationml/2006/main">
   <p:cSld>
     <p:spTree>
@@ -14576,46 +14962,6 @@
           <a:chExt cx="0" cy="0"/>
         </a:xfrm>
       </p:grpSpPr>
-      <p:sp>
-        <p:nvSpPr>
-          <p:cNvPr id="425988" name="Rectangle 4">
-            <a:extLst>
-              <a:ext uri="{FF2B5EF4-FFF2-40B4-BE49-F238E27FC236}">
-                <a16:creationId xmlns:a16="http://schemas.microsoft.com/office/drawing/2014/main" id="{4A6059F5-DBB8-F37D-8849-9AC402F9B6AA}"/>
-              </a:ext>
-            </a:extLst>
-          </p:cNvPr>
-          <p:cNvSpPr>
-            <a:spLocks noGrp="1" noChangeArrowheads="1"/>
-          </p:cNvSpPr>
-          <p:nvPr>
-            <p:ph type="title"/>
-          </p:nvPr>
-        </p:nvSpPr>
-        <p:spPr>
-          <a:xfrm>
-            <a:off x="913775" y="161316"/>
-            <a:ext cx="10364451" cy="1138977"/>
-          </a:xfrm>
-        </p:spPr>
-        <p:txBody>
-          <a:bodyPr/>
-          <a:lstStyle/>
-          <a:p>
-            <a:r>
-              <a:rPr lang="de-DE" altLang="de-DE" dirty="0">
-                <a:latin typeface="Arial" panose="020B0604020202020204" pitchFamily="34" charset="0"/>
-                <a:cs typeface="Arial" panose="020B0604020202020204" pitchFamily="34" charset="0"/>
-              </a:rPr>
-              <a:t>Kodierung: Interne Spielbrettdarstellung</a:t>
-            </a:r>
-            <a:endParaRPr lang="de-DE" altLang="de-DE" sz="1800" dirty="0">
-              <a:latin typeface="Arial" panose="020B0604020202020204" pitchFamily="34" charset="0"/>
-              <a:cs typeface="Arial" panose="020B0604020202020204" pitchFamily="34" charset="0"/>
-            </a:endParaRPr>
-          </a:p>
-        </p:txBody>
-      </p:sp>
       <p:grpSp>
         <p:nvGrpSpPr>
           <p:cNvPr id="426118" name="Gruppieren 426117">
@@ -25676,7 +26022,7 @@
 </p:sld>
 </file>
 
-<file path=ppt/slides/slide3.xml><?xml version="1.0" encoding="utf-8"?>
+<file path=ppt/slides/slide4.xml><?xml version="1.0" encoding="utf-8"?>
 <p:sld xmlns:a="http://schemas.openxmlformats.org/drawingml/2006/main" xmlns:r="http://schemas.openxmlformats.org/officeDocument/2006/relationships" xmlns:p="http://schemas.openxmlformats.org/presentationml/2006/main">
   <p:cSld>
     <p:spTree>
@@ -25699,46 +26045,6 @@
           <a:chExt cx="0" cy="0"/>
         </a:xfrm>
       </p:grpSpPr>
-      <p:sp>
-        <p:nvSpPr>
-          <p:cNvPr id="425988" name="Rectangle 4">
-            <a:extLst>
-              <a:ext uri="{FF2B5EF4-FFF2-40B4-BE49-F238E27FC236}">
-                <a16:creationId xmlns:a16="http://schemas.microsoft.com/office/drawing/2014/main" id="{25F956DA-F0EA-73A8-5706-31C02C17D792}"/>
-              </a:ext>
-            </a:extLst>
-          </p:cNvPr>
-          <p:cNvSpPr>
-            <a:spLocks noGrp="1" noChangeArrowheads="1"/>
-          </p:cNvSpPr>
-          <p:nvPr>
-            <p:ph type="title"/>
-          </p:nvPr>
-        </p:nvSpPr>
-        <p:spPr>
-          <a:xfrm>
-            <a:off x="913775" y="161316"/>
-            <a:ext cx="10364451" cy="1138977"/>
-          </a:xfrm>
-        </p:spPr>
-        <p:txBody>
-          <a:bodyPr/>
-          <a:lstStyle/>
-          <a:p>
-            <a:r>
-              <a:rPr lang="de-DE" altLang="de-DE">
-                <a:latin typeface="Arial" panose="020B0604020202020204" pitchFamily="34" charset="0"/>
-                <a:cs typeface="Arial" panose="020B0604020202020204" pitchFamily="34" charset="0"/>
-              </a:rPr>
-              <a:t>Kodierung: Interne Spielbrettdarstellung</a:t>
-            </a:r>
-            <a:endParaRPr lang="de-DE" altLang="de-DE" sz="1800" dirty="0">
-              <a:latin typeface="Arial" panose="020B0604020202020204" pitchFamily="34" charset="0"/>
-              <a:cs typeface="Arial" panose="020B0604020202020204" pitchFamily="34" charset="0"/>
-            </a:endParaRPr>
-          </a:p>
-        </p:txBody>
-      </p:sp>
       <p:grpSp>
         <p:nvGrpSpPr>
           <p:cNvPr id="426123" name="Gruppieren 426122">
@@ -39264,7 +39570,7 @@
 </p:sld>
 </file>
 
-<file path=ppt/slides/slide4.xml><?xml version="1.0" encoding="utf-8"?>
+<file path=ppt/slides/slide5.xml><?xml version="1.0" encoding="utf-8"?>
 <p:sld xmlns:a="http://schemas.openxmlformats.org/drawingml/2006/main" xmlns:r="http://schemas.openxmlformats.org/officeDocument/2006/relationships" xmlns:p="http://schemas.openxmlformats.org/presentationml/2006/main">
   <p:cSld>
     <p:spTree>

--- a/KodierungUndRepräsentation/KodierungUndRepräsentation.pptx
+++ b/KodierungUndRepräsentation/KodierungUndRepräsentation.pptx
@@ -5,7 +5,7 @@
     <p:sldMasterId id="2147483668" r:id="rId1"/>
   </p:sldMasterIdLst>
   <p:notesMasterIdLst>
-    <p:notesMasterId r:id="rId7"/>
+    <p:notesMasterId r:id="rId8"/>
   </p:notesMasterIdLst>
   <p:sldIdLst>
     <p:sldId id="431" r:id="rId2"/>
@@ -13,6 +13,7 @@
     <p:sldId id="429" r:id="rId4"/>
     <p:sldId id="426" r:id="rId5"/>
     <p:sldId id="430" r:id="rId6"/>
+    <p:sldId id="432" r:id="rId7"/>
   </p:sldIdLst>
   <p:sldSz cx="12192000" cy="6858000"/>
   <p:notesSz cx="6858000" cy="9144000"/>
@@ -40827,6 +40828,1230 @@
 </p:sld>
 </file>
 
+<file path=ppt/slides/slide6.xml><?xml version="1.0" encoding="utf-8"?>
+<p:sld xmlns:a="http://schemas.openxmlformats.org/drawingml/2006/main" xmlns:r="http://schemas.openxmlformats.org/officeDocument/2006/relationships" xmlns:p="http://schemas.openxmlformats.org/presentationml/2006/main">
+  <p:cSld>
+    <p:spTree>
+      <p:nvGrpSpPr>
+        <p:cNvPr id="1" name="">
+          <a:extLst>
+            <a:ext uri="{FF2B5EF4-FFF2-40B4-BE49-F238E27FC236}">
+              <a16:creationId xmlns:a16="http://schemas.microsoft.com/office/drawing/2014/main" id="{C70EC664-EE2D-6E53-53D2-932819F0B397}"/>
+            </a:ext>
+          </a:extLst>
+        </p:cNvPr>
+        <p:cNvGrpSpPr/>
+        <p:nvPr/>
+      </p:nvGrpSpPr>
+      <p:grpSpPr>
+        <a:xfrm>
+          <a:off x="0" y="0"/>
+          <a:ext cx="0" cy="0"/>
+          <a:chOff x="0" y="0"/>
+          <a:chExt cx="0" cy="0"/>
+        </a:xfrm>
+      </p:grpSpPr>
+      <p:grpSp>
+        <p:nvGrpSpPr>
+          <p:cNvPr id="41" name="Gruppieren 40">
+            <a:extLst>
+              <a:ext uri="{FF2B5EF4-FFF2-40B4-BE49-F238E27FC236}">
+                <a16:creationId xmlns:a16="http://schemas.microsoft.com/office/drawing/2014/main" id="{EA632B30-66C3-98F9-D4FD-23FE48BA8492}"/>
+              </a:ext>
+            </a:extLst>
+          </p:cNvPr>
+          <p:cNvGrpSpPr/>
+          <p:nvPr/>
+        </p:nvGrpSpPr>
+        <p:grpSpPr>
+          <a:xfrm>
+            <a:off x="2566498" y="1992923"/>
+            <a:ext cx="2615102" cy="2639651"/>
+            <a:chOff x="2566498" y="1992923"/>
+            <a:chExt cx="2615102" cy="2639651"/>
+          </a:xfrm>
+        </p:grpSpPr>
+        <p:cxnSp>
+          <p:nvCxnSpPr>
+            <p:cNvPr id="3" name="Gerade Verbindung 2">
+              <a:extLst>
+                <a:ext uri="{FF2B5EF4-FFF2-40B4-BE49-F238E27FC236}">
+                  <a16:creationId xmlns:a16="http://schemas.microsoft.com/office/drawing/2014/main" id="{B7CBF8F0-FF69-EA2D-C786-BA57EB779C2A}"/>
+                </a:ext>
+              </a:extLst>
+            </p:cNvPr>
+            <p:cNvCxnSpPr/>
+            <p:nvPr/>
+          </p:nvCxnSpPr>
+          <p:spPr>
+            <a:xfrm>
+              <a:off x="3751385" y="1992923"/>
+              <a:ext cx="0" cy="2139462"/>
+            </a:xfrm>
+            <a:prstGeom prst="line">
+              <a:avLst/>
+            </a:prstGeom>
+          </p:spPr>
+          <p:style>
+            <a:lnRef idx="2">
+              <a:schemeClr val="dk1"/>
+            </a:lnRef>
+            <a:fillRef idx="0">
+              <a:schemeClr val="dk1"/>
+            </a:fillRef>
+            <a:effectRef idx="1">
+              <a:schemeClr val="dk1"/>
+            </a:effectRef>
+            <a:fontRef idx="minor">
+              <a:schemeClr val="tx1"/>
+            </a:fontRef>
+          </p:style>
+        </p:cxnSp>
+        <p:cxnSp>
+          <p:nvCxnSpPr>
+            <p:cNvPr id="4" name="Gerade Verbindung 3">
+              <a:extLst>
+                <a:ext uri="{FF2B5EF4-FFF2-40B4-BE49-F238E27FC236}">
+                  <a16:creationId xmlns:a16="http://schemas.microsoft.com/office/drawing/2014/main" id="{5E6D45D5-2603-C06B-09C5-DBAD3925F76F}"/>
+                </a:ext>
+              </a:extLst>
+            </p:cNvPr>
+            <p:cNvCxnSpPr/>
+            <p:nvPr/>
+          </p:nvCxnSpPr>
+          <p:spPr>
+            <a:xfrm>
+              <a:off x="4466492" y="1992923"/>
+              <a:ext cx="0" cy="2139462"/>
+            </a:xfrm>
+            <a:prstGeom prst="line">
+              <a:avLst/>
+            </a:prstGeom>
+          </p:spPr>
+          <p:style>
+            <a:lnRef idx="2">
+              <a:schemeClr val="dk1"/>
+            </a:lnRef>
+            <a:fillRef idx="0">
+              <a:schemeClr val="dk1"/>
+            </a:fillRef>
+            <a:effectRef idx="1">
+              <a:schemeClr val="dk1"/>
+            </a:effectRef>
+            <a:fontRef idx="minor">
+              <a:schemeClr val="tx1"/>
+            </a:fontRef>
+          </p:style>
+        </p:cxnSp>
+        <p:cxnSp>
+          <p:nvCxnSpPr>
+            <p:cNvPr id="6" name="Gerade Verbindung 5">
+              <a:extLst>
+                <a:ext uri="{FF2B5EF4-FFF2-40B4-BE49-F238E27FC236}">
+                  <a16:creationId xmlns:a16="http://schemas.microsoft.com/office/drawing/2014/main" id="{649AF036-B280-A993-3041-EF0C8500C2D2}"/>
+                </a:ext>
+              </a:extLst>
+            </p:cNvPr>
+            <p:cNvCxnSpPr/>
+            <p:nvPr/>
+          </p:nvCxnSpPr>
+          <p:spPr>
+            <a:xfrm>
+              <a:off x="3024554" y="2696308"/>
+              <a:ext cx="2157046" cy="0"/>
+            </a:xfrm>
+            <a:prstGeom prst="line">
+              <a:avLst/>
+            </a:prstGeom>
+          </p:spPr>
+          <p:style>
+            <a:lnRef idx="2">
+              <a:schemeClr val="dk1"/>
+            </a:lnRef>
+            <a:fillRef idx="0">
+              <a:schemeClr val="dk1"/>
+            </a:fillRef>
+            <a:effectRef idx="1">
+              <a:schemeClr val="dk1"/>
+            </a:effectRef>
+            <a:fontRef idx="minor">
+              <a:schemeClr val="tx1"/>
+            </a:fontRef>
+          </p:style>
+        </p:cxnSp>
+        <p:cxnSp>
+          <p:nvCxnSpPr>
+            <p:cNvPr id="7" name="Gerade Verbindung 6">
+              <a:extLst>
+                <a:ext uri="{FF2B5EF4-FFF2-40B4-BE49-F238E27FC236}">
+                  <a16:creationId xmlns:a16="http://schemas.microsoft.com/office/drawing/2014/main" id="{6DFBD6C1-7829-9AA4-B0F8-C5F2E7B573EE}"/>
+                </a:ext>
+              </a:extLst>
+            </p:cNvPr>
+            <p:cNvCxnSpPr/>
+            <p:nvPr/>
+          </p:nvCxnSpPr>
+          <p:spPr>
+            <a:xfrm>
+              <a:off x="3024554" y="3411416"/>
+              <a:ext cx="2157046" cy="0"/>
+            </a:xfrm>
+            <a:prstGeom prst="line">
+              <a:avLst/>
+            </a:prstGeom>
+          </p:spPr>
+          <p:style>
+            <a:lnRef idx="2">
+              <a:schemeClr val="dk1"/>
+            </a:lnRef>
+            <a:fillRef idx="0">
+              <a:schemeClr val="dk1"/>
+            </a:fillRef>
+            <a:effectRef idx="1">
+              <a:schemeClr val="dk1"/>
+            </a:effectRef>
+            <a:fontRef idx="minor">
+              <a:schemeClr val="tx1"/>
+            </a:fontRef>
+          </p:style>
+        </p:cxnSp>
+        <p:sp>
+          <p:nvSpPr>
+            <p:cNvPr id="8" name="Textfeld 7">
+              <a:extLst>
+                <a:ext uri="{FF2B5EF4-FFF2-40B4-BE49-F238E27FC236}">
+                  <a16:creationId xmlns:a16="http://schemas.microsoft.com/office/drawing/2014/main" id="{4FB9575C-B6AE-4206-2A5C-3774C5AA0C91}"/>
+                </a:ext>
+              </a:extLst>
+            </p:cNvPr>
+            <p:cNvSpPr txBox="1"/>
+            <p:nvPr/>
+          </p:nvSpPr>
+          <p:spPr>
+            <a:xfrm>
+              <a:off x="3158580" y="2046367"/>
+              <a:ext cx="458780" cy="584775"/>
+            </a:xfrm>
+            <a:prstGeom prst="rect">
+              <a:avLst/>
+            </a:prstGeom>
+            <a:noFill/>
+          </p:spPr>
+          <p:txBody>
+            <a:bodyPr wrap="none" rtlCol="0">
+              <a:spAutoFit/>
+            </a:bodyPr>
+            <a:lstStyle/>
+            <a:p>
+              <a:pPr algn="ctr"/>
+              <a:r>
+                <a:rPr lang="de-DE" sz="3200" dirty="0">
+                  <a:latin typeface="Arial" panose="020B0604020202020204" pitchFamily="34" charset="0"/>
+                  <a:cs typeface="Arial" panose="020B0604020202020204" pitchFamily="34" charset="0"/>
+                </a:rPr>
+                <a:t>X</a:t>
+              </a:r>
+            </a:p>
+          </p:txBody>
+        </p:sp>
+        <p:sp>
+          <p:nvSpPr>
+            <p:cNvPr id="9" name="Textfeld 8">
+              <a:extLst>
+                <a:ext uri="{FF2B5EF4-FFF2-40B4-BE49-F238E27FC236}">
+                  <a16:creationId xmlns:a16="http://schemas.microsoft.com/office/drawing/2014/main" id="{E8471848-1E05-3092-7CA1-384CF5760007}"/>
+                </a:ext>
+              </a:extLst>
+            </p:cNvPr>
+            <p:cNvSpPr txBox="1"/>
+            <p:nvPr/>
+          </p:nvSpPr>
+          <p:spPr>
+            <a:xfrm>
+              <a:off x="3873688" y="2761475"/>
+              <a:ext cx="458780" cy="584775"/>
+            </a:xfrm>
+            <a:prstGeom prst="rect">
+              <a:avLst/>
+            </a:prstGeom>
+            <a:noFill/>
+          </p:spPr>
+          <p:txBody>
+            <a:bodyPr wrap="none" rtlCol="0">
+              <a:spAutoFit/>
+            </a:bodyPr>
+            <a:lstStyle/>
+            <a:p>
+              <a:pPr algn="ctr"/>
+              <a:r>
+                <a:rPr lang="de-DE" sz="3200" dirty="0">
+                  <a:latin typeface="Arial" panose="020B0604020202020204" pitchFamily="34" charset="0"/>
+                  <a:cs typeface="Arial" panose="020B0604020202020204" pitchFamily="34" charset="0"/>
+                </a:rPr>
+                <a:t>X</a:t>
+              </a:r>
+            </a:p>
+          </p:txBody>
+        </p:sp>
+        <p:sp>
+          <p:nvSpPr>
+            <p:cNvPr id="10" name="Textfeld 9">
+              <a:extLst>
+                <a:ext uri="{FF2B5EF4-FFF2-40B4-BE49-F238E27FC236}">
+                  <a16:creationId xmlns:a16="http://schemas.microsoft.com/office/drawing/2014/main" id="{1759B91A-B96B-3762-CAE4-B91836787595}"/>
+                </a:ext>
+              </a:extLst>
+            </p:cNvPr>
+            <p:cNvSpPr txBox="1"/>
+            <p:nvPr/>
+          </p:nvSpPr>
+          <p:spPr>
+            <a:xfrm>
+              <a:off x="3158580" y="3476582"/>
+              <a:ext cx="458780" cy="584775"/>
+            </a:xfrm>
+            <a:prstGeom prst="rect">
+              <a:avLst/>
+            </a:prstGeom>
+            <a:noFill/>
+          </p:spPr>
+          <p:txBody>
+            <a:bodyPr wrap="none" rtlCol="0">
+              <a:spAutoFit/>
+            </a:bodyPr>
+            <a:lstStyle/>
+            <a:p>
+              <a:pPr algn="ctr"/>
+              <a:r>
+                <a:rPr lang="de-DE" sz="3200" dirty="0">
+                  <a:latin typeface="Arial" panose="020B0604020202020204" pitchFamily="34" charset="0"/>
+                  <a:cs typeface="Arial" panose="020B0604020202020204" pitchFamily="34" charset="0"/>
+                </a:rPr>
+                <a:t>X</a:t>
+              </a:r>
+            </a:p>
+          </p:txBody>
+        </p:sp>
+        <p:sp>
+          <p:nvSpPr>
+            <p:cNvPr id="11" name="Textfeld 10">
+              <a:extLst>
+                <a:ext uri="{FF2B5EF4-FFF2-40B4-BE49-F238E27FC236}">
+                  <a16:creationId xmlns:a16="http://schemas.microsoft.com/office/drawing/2014/main" id="{DE1C06BC-0A93-824B-79AF-C2B249DD19A7}"/>
+                </a:ext>
+              </a:extLst>
+            </p:cNvPr>
+            <p:cNvSpPr txBox="1"/>
+            <p:nvPr/>
+          </p:nvSpPr>
+          <p:spPr>
+            <a:xfrm>
+              <a:off x="3851246" y="2046367"/>
+              <a:ext cx="503664" cy="584775"/>
+            </a:xfrm>
+            <a:prstGeom prst="rect">
+              <a:avLst/>
+            </a:prstGeom>
+            <a:noFill/>
+          </p:spPr>
+          <p:txBody>
+            <a:bodyPr wrap="none" rtlCol="0">
+              <a:spAutoFit/>
+            </a:bodyPr>
+            <a:lstStyle/>
+            <a:p>
+              <a:pPr algn="ctr"/>
+              <a:r>
+                <a:rPr lang="de-DE" sz="3200" dirty="0">
+                  <a:latin typeface="Arial" panose="020B0604020202020204" pitchFamily="34" charset="0"/>
+                  <a:cs typeface="Arial" panose="020B0604020202020204" pitchFamily="34" charset="0"/>
+                </a:rPr>
+                <a:t>O</a:t>
+              </a:r>
+            </a:p>
+          </p:txBody>
+        </p:sp>
+        <p:sp>
+          <p:nvSpPr>
+            <p:cNvPr id="12" name="Textfeld 11">
+              <a:extLst>
+                <a:ext uri="{FF2B5EF4-FFF2-40B4-BE49-F238E27FC236}">
+                  <a16:creationId xmlns:a16="http://schemas.microsoft.com/office/drawing/2014/main" id="{3CEE9F15-1B32-DFAB-A8F7-9EA789211A00}"/>
+                </a:ext>
+              </a:extLst>
+            </p:cNvPr>
+            <p:cNvSpPr txBox="1"/>
+            <p:nvPr/>
+          </p:nvSpPr>
+          <p:spPr>
+            <a:xfrm>
+              <a:off x="4578076" y="3476582"/>
+              <a:ext cx="503664" cy="584775"/>
+            </a:xfrm>
+            <a:prstGeom prst="rect">
+              <a:avLst/>
+            </a:prstGeom>
+            <a:noFill/>
+          </p:spPr>
+          <p:txBody>
+            <a:bodyPr wrap="none" rtlCol="0">
+              <a:spAutoFit/>
+            </a:bodyPr>
+            <a:lstStyle/>
+            <a:p>
+              <a:pPr algn="ctr"/>
+              <a:r>
+                <a:rPr lang="de-DE" sz="3200" dirty="0">
+                  <a:latin typeface="Arial" panose="020B0604020202020204" pitchFamily="34" charset="0"/>
+                  <a:cs typeface="Arial" panose="020B0604020202020204" pitchFamily="34" charset="0"/>
+                </a:rPr>
+                <a:t>O</a:t>
+              </a:r>
+            </a:p>
+          </p:txBody>
+        </p:sp>
+        <p:sp>
+          <p:nvSpPr>
+            <p:cNvPr id="2" name="Textfeld 1">
+              <a:extLst>
+                <a:ext uri="{FF2B5EF4-FFF2-40B4-BE49-F238E27FC236}">
+                  <a16:creationId xmlns:a16="http://schemas.microsoft.com/office/drawing/2014/main" id="{A8E15E6D-78AD-F73D-4188-54D1E0491EFB}"/>
+                </a:ext>
+              </a:extLst>
+            </p:cNvPr>
+            <p:cNvSpPr txBox="1"/>
+            <p:nvPr/>
+          </p:nvSpPr>
+          <p:spPr>
+            <a:xfrm>
+              <a:off x="3231516" y="4263242"/>
+              <a:ext cx="312907" cy="369332"/>
+            </a:xfrm>
+            <a:prstGeom prst="rect">
+              <a:avLst/>
+            </a:prstGeom>
+            <a:noFill/>
+          </p:spPr>
+          <p:txBody>
+            <a:bodyPr wrap="none" rtlCol="0">
+              <a:spAutoFit/>
+            </a:bodyPr>
+            <a:lstStyle/>
+            <a:p>
+              <a:pPr algn="ctr"/>
+              <a:r>
+                <a:rPr lang="de-DE" dirty="0">
+                  <a:latin typeface="Arial" panose="020B0604020202020204" pitchFamily="34" charset="0"/>
+                  <a:cs typeface="Arial" panose="020B0604020202020204" pitchFamily="34" charset="0"/>
+                </a:rPr>
+                <a:t>1</a:t>
+              </a:r>
+            </a:p>
+          </p:txBody>
+        </p:sp>
+        <p:sp>
+          <p:nvSpPr>
+            <p:cNvPr id="5" name="Textfeld 4">
+              <a:extLst>
+                <a:ext uri="{FF2B5EF4-FFF2-40B4-BE49-F238E27FC236}">
+                  <a16:creationId xmlns:a16="http://schemas.microsoft.com/office/drawing/2014/main" id="{369684FA-AB5A-A73E-A09C-D1E48796200E}"/>
+                </a:ext>
+              </a:extLst>
+            </p:cNvPr>
+            <p:cNvSpPr txBox="1"/>
+            <p:nvPr/>
+          </p:nvSpPr>
+          <p:spPr>
+            <a:xfrm>
+              <a:off x="3944035" y="4263242"/>
+              <a:ext cx="312907" cy="369332"/>
+            </a:xfrm>
+            <a:prstGeom prst="rect">
+              <a:avLst/>
+            </a:prstGeom>
+            <a:noFill/>
+          </p:spPr>
+          <p:txBody>
+            <a:bodyPr wrap="none" rtlCol="0">
+              <a:spAutoFit/>
+            </a:bodyPr>
+            <a:lstStyle/>
+            <a:p>
+              <a:pPr algn="ctr"/>
+              <a:r>
+                <a:rPr lang="de-DE" dirty="0">
+                  <a:latin typeface="Arial" panose="020B0604020202020204" pitchFamily="34" charset="0"/>
+                  <a:cs typeface="Arial" panose="020B0604020202020204" pitchFamily="34" charset="0"/>
+                </a:rPr>
+                <a:t>2</a:t>
+              </a:r>
+            </a:p>
+          </p:txBody>
+        </p:sp>
+        <p:sp>
+          <p:nvSpPr>
+            <p:cNvPr id="14" name="Textfeld 13">
+              <a:extLst>
+                <a:ext uri="{FF2B5EF4-FFF2-40B4-BE49-F238E27FC236}">
+                  <a16:creationId xmlns:a16="http://schemas.microsoft.com/office/drawing/2014/main" id="{1751FF68-D18B-7CA5-3F86-52B759786837}"/>
+                </a:ext>
+              </a:extLst>
+            </p:cNvPr>
+            <p:cNvSpPr txBox="1"/>
+            <p:nvPr/>
+          </p:nvSpPr>
+          <p:spPr>
+            <a:xfrm>
+              <a:off x="4668429" y="4263242"/>
+              <a:ext cx="312907" cy="369332"/>
+            </a:xfrm>
+            <a:prstGeom prst="rect">
+              <a:avLst/>
+            </a:prstGeom>
+            <a:noFill/>
+          </p:spPr>
+          <p:txBody>
+            <a:bodyPr wrap="none" rtlCol="0">
+              <a:spAutoFit/>
+            </a:bodyPr>
+            <a:lstStyle/>
+            <a:p>
+              <a:pPr algn="ctr"/>
+              <a:r>
+                <a:rPr lang="de-DE" dirty="0">
+                  <a:latin typeface="Arial" panose="020B0604020202020204" pitchFamily="34" charset="0"/>
+                  <a:cs typeface="Arial" panose="020B0604020202020204" pitchFamily="34" charset="0"/>
+                </a:rPr>
+                <a:t>3</a:t>
+              </a:r>
+            </a:p>
+          </p:txBody>
+        </p:sp>
+        <p:sp>
+          <p:nvSpPr>
+            <p:cNvPr id="38" name="Textfeld 37">
+              <a:extLst>
+                <a:ext uri="{FF2B5EF4-FFF2-40B4-BE49-F238E27FC236}">
+                  <a16:creationId xmlns:a16="http://schemas.microsoft.com/office/drawing/2014/main" id="{840570C2-6A83-1ABD-8037-DA49E74743CF}"/>
+                </a:ext>
+              </a:extLst>
+            </p:cNvPr>
+            <p:cNvSpPr txBox="1"/>
+            <p:nvPr/>
+          </p:nvSpPr>
+          <p:spPr>
+            <a:xfrm>
+              <a:off x="2566498" y="3586348"/>
+              <a:ext cx="312907" cy="369332"/>
+            </a:xfrm>
+            <a:prstGeom prst="rect">
+              <a:avLst/>
+            </a:prstGeom>
+            <a:noFill/>
+          </p:spPr>
+          <p:txBody>
+            <a:bodyPr wrap="none" rtlCol="0">
+              <a:spAutoFit/>
+            </a:bodyPr>
+            <a:lstStyle/>
+            <a:p>
+              <a:pPr algn="ctr"/>
+              <a:r>
+                <a:rPr lang="de-DE" dirty="0">
+                  <a:latin typeface="Arial" panose="020B0604020202020204" pitchFamily="34" charset="0"/>
+                  <a:cs typeface="Arial" panose="020B0604020202020204" pitchFamily="34" charset="0"/>
+                </a:rPr>
+                <a:t>1</a:t>
+              </a:r>
+            </a:p>
+          </p:txBody>
+        </p:sp>
+        <p:sp>
+          <p:nvSpPr>
+            <p:cNvPr id="39" name="Textfeld 38">
+              <a:extLst>
+                <a:ext uri="{FF2B5EF4-FFF2-40B4-BE49-F238E27FC236}">
+                  <a16:creationId xmlns:a16="http://schemas.microsoft.com/office/drawing/2014/main" id="{AB4A507C-5908-4492-6B5C-05B979B196F2}"/>
+                </a:ext>
+              </a:extLst>
+            </p:cNvPr>
+            <p:cNvSpPr txBox="1"/>
+            <p:nvPr/>
+          </p:nvSpPr>
+          <p:spPr>
+            <a:xfrm>
+              <a:off x="2566498" y="2873829"/>
+              <a:ext cx="312907" cy="369332"/>
+            </a:xfrm>
+            <a:prstGeom prst="rect">
+              <a:avLst/>
+            </a:prstGeom>
+            <a:noFill/>
+          </p:spPr>
+          <p:txBody>
+            <a:bodyPr wrap="none" rtlCol="0">
+              <a:spAutoFit/>
+            </a:bodyPr>
+            <a:lstStyle/>
+            <a:p>
+              <a:pPr algn="ctr"/>
+              <a:r>
+                <a:rPr lang="de-DE" dirty="0">
+                  <a:latin typeface="Arial" panose="020B0604020202020204" pitchFamily="34" charset="0"/>
+                  <a:cs typeface="Arial" panose="020B0604020202020204" pitchFamily="34" charset="0"/>
+                </a:rPr>
+                <a:t>2</a:t>
+              </a:r>
+            </a:p>
+          </p:txBody>
+        </p:sp>
+        <p:sp>
+          <p:nvSpPr>
+            <p:cNvPr id="40" name="Textfeld 39">
+              <a:extLst>
+                <a:ext uri="{FF2B5EF4-FFF2-40B4-BE49-F238E27FC236}">
+                  <a16:creationId xmlns:a16="http://schemas.microsoft.com/office/drawing/2014/main" id="{A9007917-E827-C0DE-F4D6-4FD690D18CD4}"/>
+                </a:ext>
+              </a:extLst>
+            </p:cNvPr>
+            <p:cNvSpPr txBox="1"/>
+            <p:nvPr/>
+          </p:nvSpPr>
+          <p:spPr>
+            <a:xfrm>
+              <a:off x="2566498" y="2149434"/>
+              <a:ext cx="312907" cy="369332"/>
+            </a:xfrm>
+            <a:prstGeom prst="rect">
+              <a:avLst/>
+            </a:prstGeom>
+            <a:noFill/>
+          </p:spPr>
+          <p:txBody>
+            <a:bodyPr wrap="none" rtlCol="0">
+              <a:spAutoFit/>
+            </a:bodyPr>
+            <a:lstStyle/>
+            <a:p>
+              <a:pPr algn="ctr"/>
+              <a:r>
+                <a:rPr lang="de-DE" dirty="0">
+                  <a:latin typeface="Arial" panose="020B0604020202020204" pitchFamily="34" charset="0"/>
+                  <a:cs typeface="Arial" panose="020B0604020202020204" pitchFamily="34" charset="0"/>
+                </a:rPr>
+                <a:t>3</a:t>
+              </a:r>
+            </a:p>
+          </p:txBody>
+        </p:sp>
+      </p:grpSp>
+      <p:grpSp>
+        <p:nvGrpSpPr>
+          <p:cNvPr id="42" name="Gruppieren 41">
+            <a:extLst>
+              <a:ext uri="{FF2B5EF4-FFF2-40B4-BE49-F238E27FC236}">
+                <a16:creationId xmlns:a16="http://schemas.microsoft.com/office/drawing/2014/main" id="{DF7EDE92-C589-F2C5-39E4-B331FBB48DE2}"/>
+              </a:ext>
+            </a:extLst>
+          </p:cNvPr>
+          <p:cNvGrpSpPr/>
+          <p:nvPr/>
+        </p:nvGrpSpPr>
+        <p:grpSpPr>
+          <a:xfrm>
+            <a:off x="6568483" y="1992923"/>
+            <a:ext cx="2615102" cy="2639651"/>
+            <a:chOff x="2566498" y="1992923"/>
+            <a:chExt cx="2615102" cy="2639651"/>
+          </a:xfrm>
+        </p:grpSpPr>
+        <p:cxnSp>
+          <p:nvCxnSpPr>
+            <p:cNvPr id="43" name="Gerade Verbindung 42">
+              <a:extLst>
+                <a:ext uri="{FF2B5EF4-FFF2-40B4-BE49-F238E27FC236}">
+                  <a16:creationId xmlns:a16="http://schemas.microsoft.com/office/drawing/2014/main" id="{9E49D82F-437E-0180-5637-93EFD53AF281}"/>
+                </a:ext>
+              </a:extLst>
+            </p:cNvPr>
+            <p:cNvCxnSpPr/>
+            <p:nvPr/>
+          </p:nvCxnSpPr>
+          <p:spPr>
+            <a:xfrm>
+              <a:off x="3751385" y="1992923"/>
+              <a:ext cx="0" cy="2139462"/>
+            </a:xfrm>
+            <a:prstGeom prst="line">
+              <a:avLst/>
+            </a:prstGeom>
+          </p:spPr>
+          <p:style>
+            <a:lnRef idx="2">
+              <a:schemeClr val="dk1"/>
+            </a:lnRef>
+            <a:fillRef idx="0">
+              <a:schemeClr val="dk1"/>
+            </a:fillRef>
+            <a:effectRef idx="1">
+              <a:schemeClr val="dk1"/>
+            </a:effectRef>
+            <a:fontRef idx="minor">
+              <a:schemeClr val="tx1"/>
+            </a:fontRef>
+          </p:style>
+        </p:cxnSp>
+        <p:cxnSp>
+          <p:nvCxnSpPr>
+            <p:cNvPr id="44" name="Gerade Verbindung 43">
+              <a:extLst>
+                <a:ext uri="{FF2B5EF4-FFF2-40B4-BE49-F238E27FC236}">
+                  <a16:creationId xmlns:a16="http://schemas.microsoft.com/office/drawing/2014/main" id="{D50A810F-BF0F-8FA7-AD7F-B0015F238ADA}"/>
+                </a:ext>
+              </a:extLst>
+            </p:cNvPr>
+            <p:cNvCxnSpPr/>
+            <p:nvPr/>
+          </p:nvCxnSpPr>
+          <p:spPr>
+            <a:xfrm>
+              <a:off x="4466492" y="1992923"/>
+              <a:ext cx="0" cy="2139462"/>
+            </a:xfrm>
+            <a:prstGeom prst="line">
+              <a:avLst/>
+            </a:prstGeom>
+          </p:spPr>
+          <p:style>
+            <a:lnRef idx="2">
+              <a:schemeClr val="dk1"/>
+            </a:lnRef>
+            <a:fillRef idx="0">
+              <a:schemeClr val="dk1"/>
+            </a:fillRef>
+            <a:effectRef idx="1">
+              <a:schemeClr val="dk1"/>
+            </a:effectRef>
+            <a:fontRef idx="minor">
+              <a:schemeClr val="tx1"/>
+            </a:fontRef>
+          </p:style>
+        </p:cxnSp>
+        <p:cxnSp>
+          <p:nvCxnSpPr>
+            <p:cNvPr id="45" name="Gerade Verbindung 44">
+              <a:extLst>
+                <a:ext uri="{FF2B5EF4-FFF2-40B4-BE49-F238E27FC236}">
+                  <a16:creationId xmlns:a16="http://schemas.microsoft.com/office/drawing/2014/main" id="{AAFDA1A9-2C98-2138-336F-83E93C2336E1}"/>
+                </a:ext>
+              </a:extLst>
+            </p:cNvPr>
+            <p:cNvCxnSpPr/>
+            <p:nvPr/>
+          </p:nvCxnSpPr>
+          <p:spPr>
+            <a:xfrm>
+              <a:off x="3024554" y="2696308"/>
+              <a:ext cx="2157046" cy="0"/>
+            </a:xfrm>
+            <a:prstGeom prst="line">
+              <a:avLst/>
+            </a:prstGeom>
+          </p:spPr>
+          <p:style>
+            <a:lnRef idx="2">
+              <a:schemeClr val="dk1"/>
+            </a:lnRef>
+            <a:fillRef idx="0">
+              <a:schemeClr val="dk1"/>
+            </a:fillRef>
+            <a:effectRef idx="1">
+              <a:schemeClr val="dk1"/>
+            </a:effectRef>
+            <a:fontRef idx="minor">
+              <a:schemeClr val="tx1"/>
+            </a:fontRef>
+          </p:style>
+        </p:cxnSp>
+        <p:cxnSp>
+          <p:nvCxnSpPr>
+            <p:cNvPr id="46" name="Gerade Verbindung 45">
+              <a:extLst>
+                <a:ext uri="{FF2B5EF4-FFF2-40B4-BE49-F238E27FC236}">
+                  <a16:creationId xmlns:a16="http://schemas.microsoft.com/office/drawing/2014/main" id="{2FB8A1BC-8309-A033-C042-CD81B6868ACE}"/>
+                </a:ext>
+              </a:extLst>
+            </p:cNvPr>
+            <p:cNvCxnSpPr/>
+            <p:nvPr/>
+          </p:nvCxnSpPr>
+          <p:spPr>
+            <a:xfrm>
+              <a:off x="3024554" y="3411416"/>
+              <a:ext cx="2157046" cy="0"/>
+            </a:xfrm>
+            <a:prstGeom prst="line">
+              <a:avLst/>
+            </a:prstGeom>
+          </p:spPr>
+          <p:style>
+            <a:lnRef idx="2">
+              <a:schemeClr val="dk1"/>
+            </a:lnRef>
+            <a:fillRef idx="0">
+              <a:schemeClr val="dk1"/>
+            </a:fillRef>
+            <a:effectRef idx="1">
+              <a:schemeClr val="dk1"/>
+            </a:effectRef>
+            <a:fontRef idx="minor">
+              <a:schemeClr val="tx1"/>
+            </a:fontRef>
+          </p:style>
+        </p:cxnSp>
+        <p:sp>
+          <p:nvSpPr>
+            <p:cNvPr id="47" name="Textfeld 46">
+              <a:extLst>
+                <a:ext uri="{FF2B5EF4-FFF2-40B4-BE49-F238E27FC236}">
+                  <a16:creationId xmlns:a16="http://schemas.microsoft.com/office/drawing/2014/main" id="{B759CD1C-3008-1215-83AC-9CF8186E7F75}"/>
+                </a:ext>
+              </a:extLst>
+            </p:cNvPr>
+            <p:cNvSpPr txBox="1"/>
+            <p:nvPr/>
+          </p:nvSpPr>
+          <p:spPr>
+            <a:xfrm>
+              <a:off x="3158580" y="2046367"/>
+              <a:ext cx="458780" cy="584775"/>
+            </a:xfrm>
+            <a:prstGeom prst="rect">
+              <a:avLst/>
+            </a:prstGeom>
+            <a:noFill/>
+          </p:spPr>
+          <p:txBody>
+            <a:bodyPr wrap="none" rtlCol="0">
+              <a:spAutoFit/>
+            </a:bodyPr>
+            <a:lstStyle/>
+            <a:p>
+              <a:pPr algn="ctr"/>
+              <a:r>
+                <a:rPr lang="de-DE" sz="3200" dirty="0">
+                  <a:latin typeface="Arial" panose="020B0604020202020204" pitchFamily="34" charset="0"/>
+                  <a:cs typeface="Arial" panose="020B0604020202020204" pitchFamily="34" charset="0"/>
+                </a:rPr>
+                <a:t>X</a:t>
+              </a:r>
+            </a:p>
+          </p:txBody>
+        </p:sp>
+        <p:sp>
+          <p:nvSpPr>
+            <p:cNvPr id="48" name="Textfeld 47">
+              <a:extLst>
+                <a:ext uri="{FF2B5EF4-FFF2-40B4-BE49-F238E27FC236}">
+                  <a16:creationId xmlns:a16="http://schemas.microsoft.com/office/drawing/2014/main" id="{C14014AE-3FC1-D5F1-3532-EAB0CAF3F116}"/>
+                </a:ext>
+              </a:extLst>
+            </p:cNvPr>
+            <p:cNvSpPr txBox="1"/>
+            <p:nvPr/>
+          </p:nvSpPr>
+          <p:spPr>
+            <a:xfrm>
+              <a:off x="3873688" y="2761475"/>
+              <a:ext cx="458780" cy="584775"/>
+            </a:xfrm>
+            <a:prstGeom prst="rect">
+              <a:avLst/>
+            </a:prstGeom>
+            <a:noFill/>
+          </p:spPr>
+          <p:txBody>
+            <a:bodyPr wrap="none" rtlCol="0">
+              <a:spAutoFit/>
+            </a:bodyPr>
+            <a:lstStyle/>
+            <a:p>
+              <a:pPr algn="ctr"/>
+              <a:r>
+                <a:rPr lang="de-DE" sz="3200" dirty="0">
+                  <a:latin typeface="Arial" panose="020B0604020202020204" pitchFamily="34" charset="0"/>
+                  <a:cs typeface="Arial" panose="020B0604020202020204" pitchFamily="34" charset="0"/>
+                </a:rPr>
+                <a:t>X</a:t>
+              </a:r>
+            </a:p>
+          </p:txBody>
+        </p:sp>
+        <p:sp>
+          <p:nvSpPr>
+            <p:cNvPr id="49" name="Textfeld 48">
+              <a:extLst>
+                <a:ext uri="{FF2B5EF4-FFF2-40B4-BE49-F238E27FC236}">
+                  <a16:creationId xmlns:a16="http://schemas.microsoft.com/office/drawing/2014/main" id="{3044744B-8B67-04BD-1EC1-64282F13C5B4}"/>
+                </a:ext>
+              </a:extLst>
+            </p:cNvPr>
+            <p:cNvSpPr txBox="1"/>
+            <p:nvPr/>
+          </p:nvSpPr>
+          <p:spPr>
+            <a:xfrm>
+              <a:off x="3158580" y="3476582"/>
+              <a:ext cx="458780" cy="584775"/>
+            </a:xfrm>
+            <a:prstGeom prst="rect">
+              <a:avLst/>
+            </a:prstGeom>
+            <a:noFill/>
+          </p:spPr>
+          <p:txBody>
+            <a:bodyPr wrap="none" rtlCol="0">
+              <a:spAutoFit/>
+            </a:bodyPr>
+            <a:lstStyle/>
+            <a:p>
+              <a:pPr algn="ctr"/>
+              <a:r>
+                <a:rPr lang="de-DE" sz="3200" dirty="0">
+                  <a:latin typeface="Arial" panose="020B0604020202020204" pitchFamily="34" charset="0"/>
+                  <a:cs typeface="Arial" panose="020B0604020202020204" pitchFamily="34" charset="0"/>
+                </a:rPr>
+                <a:t>X</a:t>
+              </a:r>
+            </a:p>
+          </p:txBody>
+        </p:sp>
+        <p:sp>
+          <p:nvSpPr>
+            <p:cNvPr id="50" name="Textfeld 49">
+              <a:extLst>
+                <a:ext uri="{FF2B5EF4-FFF2-40B4-BE49-F238E27FC236}">
+                  <a16:creationId xmlns:a16="http://schemas.microsoft.com/office/drawing/2014/main" id="{C97950A5-F29A-A54A-FC4A-9DD6005D4ACF}"/>
+                </a:ext>
+              </a:extLst>
+            </p:cNvPr>
+            <p:cNvSpPr txBox="1"/>
+            <p:nvPr/>
+          </p:nvSpPr>
+          <p:spPr>
+            <a:xfrm>
+              <a:off x="3851246" y="2046367"/>
+              <a:ext cx="503664" cy="584775"/>
+            </a:xfrm>
+            <a:prstGeom prst="rect">
+              <a:avLst/>
+            </a:prstGeom>
+            <a:noFill/>
+          </p:spPr>
+          <p:txBody>
+            <a:bodyPr wrap="none" rtlCol="0">
+              <a:spAutoFit/>
+            </a:bodyPr>
+            <a:lstStyle/>
+            <a:p>
+              <a:pPr algn="ctr"/>
+              <a:r>
+                <a:rPr lang="de-DE" sz="3200" dirty="0">
+                  <a:latin typeface="Arial" panose="020B0604020202020204" pitchFamily="34" charset="0"/>
+                  <a:cs typeface="Arial" panose="020B0604020202020204" pitchFamily="34" charset="0"/>
+                </a:rPr>
+                <a:t>O</a:t>
+              </a:r>
+            </a:p>
+          </p:txBody>
+        </p:sp>
+        <p:sp>
+          <p:nvSpPr>
+            <p:cNvPr id="51" name="Textfeld 50">
+              <a:extLst>
+                <a:ext uri="{FF2B5EF4-FFF2-40B4-BE49-F238E27FC236}">
+                  <a16:creationId xmlns:a16="http://schemas.microsoft.com/office/drawing/2014/main" id="{13EDA99B-0584-BF0E-85A3-7EE46CA8CDB4}"/>
+                </a:ext>
+              </a:extLst>
+            </p:cNvPr>
+            <p:cNvSpPr txBox="1"/>
+            <p:nvPr/>
+          </p:nvSpPr>
+          <p:spPr>
+            <a:xfrm>
+              <a:off x="4578076" y="3476582"/>
+              <a:ext cx="503664" cy="584775"/>
+            </a:xfrm>
+            <a:prstGeom prst="rect">
+              <a:avLst/>
+            </a:prstGeom>
+            <a:noFill/>
+          </p:spPr>
+          <p:txBody>
+            <a:bodyPr wrap="none" rtlCol="0">
+              <a:spAutoFit/>
+            </a:bodyPr>
+            <a:lstStyle/>
+            <a:p>
+              <a:pPr algn="ctr"/>
+              <a:r>
+                <a:rPr lang="de-DE" sz="3200" dirty="0">
+                  <a:latin typeface="Arial" panose="020B0604020202020204" pitchFamily="34" charset="0"/>
+                  <a:cs typeface="Arial" panose="020B0604020202020204" pitchFamily="34" charset="0"/>
+                </a:rPr>
+                <a:t>O</a:t>
+              </a:r>
+            </a:p>
+          </p:txBody>
+        </p:sp>
+        <p:sp>
+          <p:nvSpPr>
+            <p:cNvPr id="52" name="Textfeld 51">
+              <a:extLst>
+                <a:ext uri="{FF2B5EF4-FFF2-40B4-BE49-F238E27FC236}">
+                  <a16:creationId xmlns:a16="http://schemas.microsoft.com/office/drawing/2014/main" id="{F2B79B11-8E0C-9174-C9B4-11283602868D}"/>
+                </a:ext>
+              </a:extLst>
+            </p:cNvPr>
+            <p:cNvSpPr txBox="1"/>
+            <p:nvPr/>
+          </p:nvSpPr>
+          <p:spPr>
+            <a:xfrm>
+              <a:off x="3231516" y="4263242"/>
+              <a:ext cx="312907" cy="369332"/>
+            </a:xfrm>
+            <a:prstGeom prst="rect">
+              <a:avLst/>
+            </a:prstGeom>
+            <a:noFill/>
+          </p:spPr>
+          <p:txBody>
+            <a:bodyPr wrap="none" rtlCol="0">
+              <a:spAutoFit/>
+            </a:bodyPr>
+            <a:lstStyle/>
+            <a:p>
+              <a:pPr algn="ctr"/>
+              <a:r>
+                <a:rPr lang="de-DE" dirty="0">
+                  <a:latin typeface="Arial" panose="020B0604020202020204" pitchFamily="34" charset="0"/>
+                  <a:cs typeface="Arial" panose="020B0604020202020204" pitchFamily="34" charset="0"/>
+                </a:rPr>
+                <a:t>a</a:t>
+              </a:r>
+            </a:p>
+          </p:txBody>
+        </p:sp>
+        <p:sp>
+          <p:nvSpPr>
+            <p:cNvPr id="53" name="Textfeld 52">
+              <a:extLst>
+                <a:ext uri="{FF2B5EF4-FFF2-40B4-BE49-F238E27FC236}">
+                  <a16:creationId xmlns:a16="http://schemas.microsoft.com/office/drawing/2014/main" id="{29AAACB4-DF1A-CB75-D1FE-A4872ACA2242}"/>
+                </a:ext>
+              </a:extLst>
+            </p:cNvPr>
+            <p:cNvSpPr txBox="1"/>
+            <p:nvPr/>
+          </p:nvSpPr>
+          <p:spPr>
+            <a:xfrm>
+              <a:off x="3944035" y="4263242"/>
+              <a:ext cx="312907" cy="369332"/>
+            </a:xfrm>
+            <a:prstGeom prst="rect">
+              <a:avLst/>
+            </a:prstGeom>
+            <a:noFill/>
+          </p:spPr>
+          <p:txBody>
+            <a:bodyPr wrap="none" rtlCol="0">
+              <a:spAutoFit/>
+            </a:bodyPr>
+            <a:lstStyle/>
+            <a:p>
+              <a:pPr algn="ctr"/>
+              <a:r>
+                <a:rPr lang="de-DE" dirty="0">
+                  <a:latin typeface="Arial" panose="020B0604020202020204" pitchFamily="34" charset="0"/>
+                  <a:cs typeface="Arial" panose="020B0604020202020204" pitchFamily="34" charset="0"/>
+                </a:rPr>
+                <a:t>b</a:t>
+              </a:r>
+            </a:p>
+          </p:txBody>
+        </p:sp>
+        <p:sp>
+          <p:nvSpPr>
+            <p:cNvPr id="54" name="Textfeld 53">
+              <a:extLst>
+                <a:ext uri="{FF2B5EF4-FFF2-40B4-BE49-F238E27FC236}">
+                  <a16:creationId xmlns:a16="http://schemas.microsoft.com/office/drawing/2014/main" id="{492CC52A-B383-EAEF-A530-A91E2E59ED06}"/>
+                </a:ext>
+              </a:extLst>
+            </p:cNvPr>
+            <p:cNvSpPr txBox="1"/>
+            <p:nvPr/>
+          </p:nvSpPr>
+          <p:spPr>
+            <a:xfrm>
+              <a:off x="4674842" y="4263242"/>
+              <a:ext cx="300082" cy="369332"/>
+            </a:xfrm>
+            <a:prstGeom prst="rect">
+              <a:avLst/>
+            </a:prstGeom>
+            <a:noFill/>
+          </p:spPr>
+          <p:txBody>
+            <a:bodyPr wrap="none" rtlCol="0">
+              <a:spAutoFit/>
+            </a:bodyPr>
+            <a:lstStyle/>
+            <a:p>
+              <a:pPr algn="ctr"/>
+              <a:r>
+                <a:rPr lang="de-DE" dirty="0">
+                  <a:latin typeface="Arial" panose="020B0604020202020204" pitchFamily="34" charset="0"/>
+                  <a:cs typeface="Arial" panose="020B0604020202020204" pitchFamily="34" charset="0"/>
+                </a:rPr>
+                <a:t>c</a:t>
+              </a:r>
+            </a:p>
+          </p:txBody>
+        </p:sp>
+        <p:sp>
+          <p:nvSpPr>
+            <p:cNvPr id="55" name="Textfeld 54">
+              <a:extLst>
+                <a:ext uri="{FF2B5EF4-FFF2-40B4-BE49-F238E27FC236}">
+                  <a16:creationId xmlns:a16="http://schemas.microsoft.com/office/drawing/2014/main" id="{C4181AD4-EC21-5034-D283-3B5AF973CA1F}"/>
+                </a:ext>
+              </a:extLst>
+            </p:cNvPr>
+            <p:cNvSpPr txBox="1"/>
+            <p:nvPr/>
+          </p:nvSpPr>
+          <p:spPr>
+            <a:xfrm>
+              <a:off x="2566498" y="3586348"/>
+              <a:ext cx="312907" cy="369332"/>
+            </a:xfrm>
+            <a:prstGeom prst="rect">
+              <a:avLst/>
+            </a:prstGeom>
+            <a:noFill/>
+          </p:spPr>
+          <p:txBody>
+            <a:bodyPr wrap="none" rtlCol="0">
+              <a:spAutoFit/>
+            </a:bodyPr>
+            <a:lstStyle/>
+            <a:p>
+              <a:pPr algn="ctr"/>
+              <a:r>
+                <a:rPr lang="de-DE" dirty="0">
+                  <a:latin typeface="Arial" panose="020B0604020202020204" pitchFamily="34" charset="0"/>
+                  <a:cs typeface="Arial" panose="020B0604020202020204" pitchFamily="34" charset="0"/>
+                </a:rPr>
+                <a:t>1</a:t>
+              </a:r>
+            </a:p>
+          </p:txBody>
+        </p:sp>
+        <p:sp>
+          <p:nvSpPr>
+            <p:cNvPr id="56" name="Textfeld 55">
+              <a:extLst>
+                <a:ext uri="{FF2B5EF4-FFF2-40B4-BE49-F238E27FC236}">
+                  <a16:creationId xmlns:a16="http://schemas.microsoft.com/office/drawing/2014/main" id="{A91127B7-133E-F0EC-3405-A217A0348A37}"/>
+                </a:ext>
+              </a:extLst>
+            </p:cNvPr>
+            <p:cNvSpPr txBox="1"/>
+            <p:nvPr/>
+          </p:nvSpPr>
+          <p:spPr>
+            <a:xfrm>
+              <a:off x="2566498" y="2873829"/>
+              <a:ext cx="312907" cy="369332"/>
+            </a:xfrm>
+            <a:prstGeom prst="rect">
+              <a:avLst/>
+            </a:prstGeom>
+            <a:noFill/>
+          </p:spPr>
+          <p:txBody>
+            <a:bodyPr wrap="none" rtlCol="0">
+              <a:spAutoFit/>
+            </a:bodyPr>
+            <a:lstStyle/>
+            <a:p>
+              <a:pPr algn="ctr"/>
+              <a:r>
+                <a:rPr lang="de-DE" dirty="0">
+                  <a:latin typeface="Arial" panose="020B0604020202020204" pitchFamily="34" charset="0"/>
+                  <a:cs typeface="Arial" panose="020B0604020202020204" pitchFamily="34" charset="0"/>
+                </a:rPr>
+                <a:t>2</a:t>
+              </a:r>
+            </a:p>
+          </p:txBody>
+        </p:sp>
+        <p:sp>
+          <p:nvSpPr>
+            <p:cNvPr id="57" name="Textfeld 56">
+              <a:extLst>
+                <a:ext uri="{FF2B5EF4-FFF2-40B4-BE49-F238E27FC236}">
+                  <a16:creationId xmlns:a16="http://schemas.microsoft.com/office/drawing/2014/main" id="{D1E942F5-92FA-BFC0-7151-6E83A9E8EE3C}"/>
+                </a:ext>
+              </a:extLst>
+            </p:cNvPr>
+            <p:cNvSpPr txBox="1"/>
+            <p:nvPr/>
+          </p:nvSpPr>
+          <p:spPr>
+            <a:xfrm>
+              <a:off x="2566498" y="2149434"/>
+              <a:ext cx="312907" cy="369332"/>
+            </a:xfrm>
+            <a:prstGeom prst="rect">
+              <a:avLst/>
+            </a:prstGeom>
+            <a:noFill/>
+          </p:spPr>
+          <p:txBody>
+            <a:bodyPr wrap="none" rtlCol="0">
+              <a:spAutoFit/>
+            </a:bodyPr>
+            <a:lstStyle/>
+            <a:p>
+              <a:pPr algn="ctr"/>
+              <a:r>
+                <a:rPr lang="de-DE" dirty="0">
+                  <a:latin typeface="Arial" panose="020B0604020202020204" pitchFamily="34" charset="0"/>
+                  <a:cs typeface="Arial" panose="020B0604020202020204" pitchFamily="34" charset="0"/>
+                </a:rPr>
+                <a:t>3</a:t>
+              </a:r>
+            </a:p>
+          </p:txBody>
+        </p:sp>
+      </p:grpSp>
+    </p:spTree>
+    <p:extLst>
+      <p:ext uri="{BB962C8B-B14F-4D97-AF65-F5344CB8AC3E}">
+        <p14:creationId xmlns:p14="http://schemas.microsoft.com/office/powerpoint/2010/main" val="3206075150"/>
+      </p:ext>
+    </p:extLst>
+  </p:cSld>
+  <p:clrMapOvr>
+    <a:masterClrMapping/>
+  </p:clrMapOvr>
+</p:sld>
+</file>
+
 <file path=ppt/theme/theme1.xml><?xml version="1.0" encoding="utf-8"?>
 <a:theme xmlns:a="http://schemas.openxmlformats.org/drawingml/2006/main" name="Tropfen">
   <a:themeElements>
